--- a/homework2/homework2.pptx
+++ b/homework2/homework2.pptx
@@ -15,7 +15,11 @@
     <p:sldId id="263" r:id="rId9"/>
     <p:sldId id="264" r:id="rId10"/>
     <p:sldId id="265" r:id="rId11"/>
-    <p:sldId id="266" r:id="rId12"/>
+    <p:sldId id="267" r:id="rId12"/>
+    <p:sldId id="268" r:id="rId13"/>
+    <p:sldId id="272" r:id="rId14"/>
+    <p:sldId id="273" r:id="rId15"/>
+    <p:sldId id="274" r:id="rId16"/>
   </p:sldIdLst>
   <p:sldSz cx="9144000" cy="6858000" type="screen4x3"/>
   <p:notesSz cx="6858000" cy="9144000"/>
@@ -775,7 +779,8 @@
           <a:p>
             <a:fld id="{12D01FDB-1510-42A9-9778-A309B35D75AB}" type="datetimeFigureOut">
               <a:rPr lang="tr-TR" smtClean="0"/>
-              <a:t>23.07.2020</a:t>
+              <a:pPr/>
+              <a:t>05.08.2020</a:t>
             </a:fld>
             <a:endParaRPr lang="tr-TR"/>
           </a:p>
@@ -835,6 +840,7 @@
           <a:p>
             <a:fld id="{ABC196BA-4290-4703-94CF-FE732E233237}" type="slidenum">
               <a:rPr lang="tr-TR" smtClean="0"/>
+              <a:pPr/>
               <a:t>‹#›</a:t>
             </a:fld>
             <a:endParaRPr lang="tr-TR"/>
@@ -958,7 +964,8 @@
           <a:p>
             <a:fld id="{12D01FDB-1510-42A9-9778-A309B35D75AB}" type="datetimeFigureOut">
               <a:rPr lang="tr-TR" smtClean="0"/>
-              <a:t>23.07.2020</a:t>
+              <a:pPr/>
+              <a:t>05.08.2020</a:t>
             </a:fld>
             <a:endParaRPr lang="tr-TR"/>
           </a:p>
@@ -1000,6 +1007,7 @@
           <a:p>
             <a:fld id="{ABC196BA-4290-4703-94CF-FE732E233237}" type="slidenum">
               <a:rPr lang="tr-TR" smtClean="0"/>
+              <a:pPr/>
               <a:t>‹#›</a:t>
             </a:fld>
             <a:endParaRPr lang="tr-TR"/>
@@ -1133,7 +1141,8 @@
           <a:p>
             <a:fld id="{12D01FDB-1510-42A9-9778-A309B35D75AB}" type="datetimeFigureOut">
               <a:rPr lang="tr-TR" smtClean="0"/>
-              <a:t>23.07.2020</a:t>
+              <a:pPr/>
+              <a:t>05.08.2020</a:t>
             </a:fld>
             <a:endParaRPr lang="tr-TR"/>
           </a:p>
@@ -1175,6 +1184,7 @@
           <a:p>
             <a:fld id="{ABC196BA-4290-4703-94CF-FE732E233237}" type="slidenum">
               <a:rPr lang="tr-TR" smtClean="0"/>
+              <a:pPr/>
               <a:t>‹#›</a:t>
             </a:fld>
             <a:endParaRPr lang="tr-TR"/>
@@ -1298,7 +1308,8 @@
           <a:p>
             <a:fld id="{12D01FDB-1510-42A9-9778-A309B35D75AB}" type="datetimeFigureOut">
               <a:rPr lang="tr-TR" smtClean="0"/>
-              <a:t>23.07.2020</a:t>
+              <a:pPr/>
+              <a:t>05.08.2020</a:t>
             </a:fld>
             <a:endParaRPr lang="tr-TR"/>
           </a:p>
@@ -1340,6 +1351,7 @@
           <a:p>
             <a:fld id="{ABC196BA-4290-4703-94CF-FE732E233237}" type="slidenum">
               <a:rPr lang="tr-TR" smtClean="0"/>
+              <a:pPr/>
               <a:t>‹#›</a:t>
             </a:fld>
             <a:endParaRPr lang="tr-TR"/>
@@ -1519,7 +1531,8 @@
           <a:p>
             <a:fld id="{12D01FDB-1510-42A9-9778-A309B35D75AB}" type="datetimeFigureOut">
               <a:rPr lang="tr-TR" smtClean="0"/>
-              <a:t>23.07.2020</a:t>
+              <a:pPr/>
+              <a:t>05.08.2020</a:t>
             </a:fld>
             <a:endParaRPr lang="tr-TR"/>
           </a:p>
@@ -1561,6 +1574,7 @@
           <a:p>
             <a:fld id="{ABC196BA-4290-4703-94CF-FE732E233237}" type="slidenum">
               <a:rPr lang="tr-TR" smtClean="0"/>
+              <a:pPr/>
               <a:t>‹#›</a:t>
             </a:fld>
             <a:endParaRPr lang="tr-TR"/>
@@ -1778,7 +1792,8 @@
           <a:p>
             <a:fld id="{12D01FDB-1510-42A9-9778-A309B35D75AB}" type="datetimeFigureOut">
               <a:rPr lang="tr-TR" smtClean="0"/>
-              <a:t>23.07.2020</a:t>
+              <a:pPr/>
+              <a:t>05.08.2020</a:t>
             </a:fld>
             <a:endParaRPr lang="tr-TR"/>
           </a:p>
@@ -1820,6 +1835,7 @@
           <a:p>
             <a:fld id="{ABC196BA-4290-4703-94CF-FE732E233237}" type="slidenum">
               <a:rPr lang="tr-TR" smtClean="0"/>
+              <a:pPr/>
               <a:t>‹#›</a:t>
             </a:fld>
             <a:endParaRPr lang="tr-TR"/>
@@ -2182,7 +2198,8 @@
           <a:p>
             <a:fld id="{12D01FDB-1510-42A9-9778-A309B35D75AB}" type="datetimeFigureOut">
               <a:rPr lang="tr-TR" smtClean="0"/>
-              <a:t>23.07.2020</a:t>
+              <a:pPr/>
+              <a:t>05.08.2020</a:t>
             </a:fld>
             <a:endParaRPr lang="tr-TR"/>
           </a:p>
@@ -2205,6 +2222,7 @@
           <a:p>
             <a:fld id="{ABC196BA-4290-4703-94CF-FE732E233237}" type="slidenum">
               <a:rPr lang="tr-TR" smtClean="0"/>
+              <a:pPr/>
               <a:t>‹#›</a:t>
             </a:fld>
             <a:endParaRPr lang="tr-TR"/>
@@ -2313,7 +2331,8 @@
           <a:p>
             <a:fld id="{12D01FDB-1510-42A9-9778-A309B35D75AB}" type="datetimeFigureOut">
               <a:rPr lang="tr-TR" smtClean="0"/>
-              <a:t>23.07.2020</a:t>
+              <a:pPr/>
+              <a:t>05.08.2020</a:t>
             </a:fld>
             <a:endParaRPr lang="tr-TR"/>
           </a:p>
@@ -2365,6 +2384,7 @@
           <a:p>
             <a:fld id="{ABC196BA-4290-4703-94CF-FE732E233237}" type="slidenum">
               <a:rPr lang="tr-TR" smtClean="0"/>
+              <a:pPr/>
               <a:t>‹#›</a:t>
             </a:fld>
             <a:endParaRPr lang="tr-TR"/>
@@ -2413,7 +2433,8 @@
           <a:p>
             <a:fld id="{12D01FDB-1510-42A9-9778-A309B35D75AB}" type="datetimeFigureOut">
               <a:rPr lang="tr-TR" smtClean="0"/>
-              <a:t>23.07.2020</a:t>
+              <a:pPr/>
+              <a:t>05.08.2020</a:t>
             </a:fld>
             <a:endParaRPr lang="tr-TR"/>
           </a:p>
@@ -2455,6 +2476,7 @@
           <a:p>
             <a:fld id="{ABC196BA-4290-4703-94CF-FE732E233237}" type="slidenum">
               <a:rPr lang="tr-TR" smtClean="0"/>
+              <a:pPr/>
               <a:t>‹#›</a:t>
             </a:fld>
             <a:endParaRPr lang="tr-TR"/>
@@ -2658,7 +2680,8 @@
           <a:p>
             <a:fld id="{12D01FDB-1510-42A9-9778-A309B35D75AB}" type="datetimeFigureOut">
               <a:rPr lang="tr-TR" smtClean="0"/>
-              <a:t>23.07.2020</a:t>
+              <a:pPr/>
+              <a:t>05.08.2020</a:t>
             </a:fld>
             <a:endParaRPr lang="tr-TR"/>
           </a:p>
@@ -2700,6 +2723,7 @@
           <a:p>
             <a:fld id="{ABC196BA-4290-4703-94CF-FE732E233237}" type="slidenum">
               <a:rPr lang="tr-TR" smtClean="0"/>
+              <a:pPr/>
               <a:t>‹#›</a:t>
             </a:fld>
             <a:endParaRPr lang="tr-TR"/>
@@ -2902,7 +2926,8 @@
           <a:p>
             <a:fld id="{12D01FDB-1510-42A9-9778-A309B35D75AB}" type="datetimeFigureOut">
               <a:rPr lang="tr-TR" smtClean="0"/>
-              <a:t>23.07.2020</a:t>
+              <a:pPr/>
+              <a:t>05.08.2020</a:t>
             </a:fld>
             <a:endParaRPr lang="tr-TR"/>
           </a:p>
@@ -2944,6 +2969,7 @@
           <a:p>
             <a:fld id="{ABC196BA-4290-4703-94CF-FE732E233237}" type="slidenum">
               <a:rPr lang="tr-TR" smtClean="0"/>
+              <a:pPr/>
               <a:t>‹#›</a:t>
             </a:fld>
             <a:endParaRPr lang="tr-TR"/>
@@ -3726,7 +3752,8 @@
           <a:p>
             <a:fld id="{12D01FDB-1510-42A9-9778-A309B35D75AB}" type="datetimeFigureOut">
               <a:rPr lang="tr-TR" smtClean="0"/>
-              <a:t>23.07.2020</a:t>
+              <a:pPr/>
+              <a:t>05.08.2020</a:t>
             </a:fld>
             <a:endParaRPr lang="tr-TR"/>
           </a:p>
@@ -3800,6 +3827,7 @@
           <a:p>
             <a:fld id="{ABC196BA-4290-4703-94CF-FE732E233237}" type="slidenum">
               <a:rPr lang="tr-TR" smtClean="0"/>
+              <a:pPr/>
               <a:t>‹#›</a:t>
             </a:fld>
             <a:endParaRPr lang="tr-TR"/>
@@ -4135,31 +4163,19 @@
           <a:p>
             <a:r>
               <a:rPr lang="tr-TR" sz="2800" dirty="0" smtClean="0"/>
-              <a:t>Kodluyoruz 53. Ankara Data </a:t>
+              <a:t>Kodluyoruz </a:t>
             </a:r>
             <a:r>
               <a:rPr lang="tr-TR" sz="2800" dirty="0" err="1" smtClean="0"/>
-              <a:t>Science</a:t>
+              <a:t>Homework</a:t>
             </a:r>
             <a:r>
               <a:rPr lang="tr-TR" sz="2800" dirty="0" smtClean="0"/>
               <a:t> </a:t>
             </a:r>
             <a:r>
-              <a:rPr lang="tr-TR" sz="2800" dirty="0" err="1" smtClean="0"/>
-              <a:t>Bootcamp</a:t>
-            </a:r>
-            <a:r>
               <a:rPr lang="tr-TR" sz="2800" dirty="0" smtClean="0"/>
-              <a:t> </a:t>
-            </a:r>
-            <a:r>
-              <a:rPr lang="tr-TR" sz="2800" dirty="0" err="1" smtClean="0"/>
-              <a:t>Homework</a:t>
-            </a:r>
-            <a:r>
-              <a:rPr lang="tr-TR" sz="2800" dirty="0" smtClean="0"/>
-              <a:t> 2</a:t>
+              <a:t>2</a:t>
             </a:r>
             <a:endParaRPr lang="tr-TR" sz="2800" dirty="0"/>
           </a:p>
@@ -4198,6 +4214,13 @@
   <p:clrMapOvr>
     <a:masterClrMapping/>
   </p:clrMapOvr>
+  <p:timing>
+    <p:tnLst>
+      <p:par>
+        <p:cTn id="1" dur="indefinite" restart="never" nodeType="tmRoot"/>
+      </p:par>
+    </p:tnLst>
+  </p:timing>
 </p:sld>
 </file>
 
@@ -4230,21 +4253,43 @@
         </p:nvSpPr>
         <p:spPr>
           <a:xfrm>
-            <a:off x="485804" y="714356"/>
+            <a:off x="500034" y="428604"/>
             <a:ext cx="8229600" cy="1066800"/>
           </a:xfrm>
         </p:spPr>
         <p:txBody>
-          <a:bodyPr/>
+          <a:bodyPr>
+            <a:normAutofit/>
+          </a:bodyPr>
           <a:lstStyle/>
           <a:p>
             <a:r>
               <a:rPr lang="tr-TR" dirty="0" err="1" smtClean="0"/>
-              <a:t>Train</a:t>
+              <a:t>Regression</a:t>
             </a:r>
             <a:r>
               <a:rPr lang="tr-TR" dirty="0" smtClean="0"/>
-              <a:t>/Test Set</a:t>
+              <a:t> Model </a:t>
+            </a:r>
+            <a:r>
+              <a:rPr lang="tr-TR" dirty="0" smtClean="0"/>
+              <a:t>(</a:t>
+            </a:r>
+            <a:r>
+              <a:rPr lang="tr-TR" dirty="0" err="1" smtClean="0"/>
+              <a:t>scikit</a:t>
+            </a:r>
+            <a:r>
+              <a:rPr lang="tr-TR" dirty="0" smtClean="0"/>
+              <a:t>-</a:t>
+            </a:r>
+            <a:r>
+              <a:rPr lang="tr-TR" dirty="0" err="1" smtClean="0"/>
+              <a:t>learn</a:t>
+            </a:r>
+            <a:r>
+              <a:rPr lang="tr-TR" dirty="0" smtClean="0"/>
+              <a:t>)</a:t>
             </a:r>
             <a:endParaRPr lang="tr-TR" dirty="0"/>
           </a:p>
@@ -4252,7 +4297,7 @@
       </p:sp>
       <p:pic>
         <p:nvPicPr>
-          <p:cNvPr id="9218" name="Picture 2"/>
+          <p:cNvPr id="5122" name="Picture 2"/>
           <p:cNvPicPr>
             <a:picLocks noGrp="1" noChangeAspect="1" noChangeArrowheads="1"/>
           </p:cNvPicPr>
@@ -4269,8 +4314,8 @@
         </p:blipFill>
         <p:spPr bwMode="auto">
           <a:xfrm>
-            <a:off x="571471" y="1785926"/>
-            <a:ext cx="5943642" cy="4000528"/>
+            <a:off x="357158" y="1428736"/>
+            <a:ext cx="3500462" cy="1537703"/>
           </a:xfrm>
           <a:prstGeom prst="rect">
             <a:avLst/>
@@ -4287,55 +4332,172 @@
       </p:pic>
       <p:sp>
         <p:nvSpPr>
-          <p:cNvPr id="5" name="4 Dikdörtgen"/>
-          <p:cNvSpPr/>
+          <p:cNvPr id="6" name="5 Metin kutusu"/>
+          <p:cNvSpPr txBox="1"/>
           <p:nvPr/>
         </p:nvSpPr>
         <p:spPr>
           <a:xfrm>
-            <a:off x="3214678" y="3214686"/>
-            <a:ext cx="2714644" cy="428628"/>
+            <a:off x="4857752" y="1714488"/>
+            <a:ext cx="3571900" cy="923330"/>
           </a:xfrm>
           <a:prstGeom prst="rect">
             <a:avLst/>
           </a:prstGeom>
           <a:noFill/>
-          <a:ln>
-            <a:solidFill>
-              <a:srgbClr val="FF0000"/>
-            </a:solidFill>
+        </p:spPr>
+        <p:txBody>
+          <a:bodyPr wrap="square" rtlCol="0">
+            <a:spAutoFit/>
+          </a:bodyPr>
+          <a:lstStyle/>
+          <a:p>
+            <a:r>
+              <a:rPr lang="tr-TR" dirty="0" err="1" smtClean="0"/>
+              <a:t>This</a:t>
+            </a:r>
+            <a:r>
+              <a:rPr lang="tr-TR" dirty="0" smtClean="0"/>
+              <a:t> model </a:t>
+            </a:r>
+            <a:r>
+              <a:rPr lang="tr-TR" dirty="0" err="1" smtClean="0"/>
+              <a:t>have</a:t>
+            </a:r>
+            <a:r>
+              <a:rPr lang="tr-TR" dirty="0" smtClean="0"/>
+              <a:t> </a:t>
+            </a:r>
+            <a:r>
+              <a:rPr lang="tr-TR" dirty="0" err="1" smtClean="0"/>
+              <a:t>variables</a:t>
+            </a:r>
+            <a:r>
+              <a:rPr lang="tr-TR" dirty="0" smtClean="0"/>
+              <a:t> </a:t>
+            </a:r>
+            <a:r>
+              <a:rPr lang="tr-TR" dirty="0" err="1" smtClean="0"/>
+              <a:t>that</a:t>
+            </a:r>
+            <a:r>
+              <a:rPr lang="tr-TR" dirty="0" smtClean="0"/>
+              <a:t> </a:t>
+            </a:r>
+            <a:r>
+              <a:rPr lang="tr-TR" dirty="0" err="1" smtClean="0"/>
+              <a:t>are</a:t>
+            </a:r>
+            <a:r>
+              <a:rPr lang="tr-TR" dirty="0" smtClean="0"/>
+              <a:t> at </a:t>
+            </a:r>
+            <a:r>
+              <a:rPr lang="tr-TR" dirty="0" err="1" smtClean="0"/>
+              <a:t>the</a:t>
+            </a:r>
+            <a:r>
+              <a:rPr lang="tr-TR" dirty="0" smtClean="0"/>
+              <a:t> </a:t>
+            </a:r>
+            <a:r>
+              <a:rPr lang="tr-TR" dirty="0" err="1" smtClean="0"/>
+              <a:t>result</a:t>
+            </a:r>
+            <a:r>
+              <a:rPr lang="tr-TR" dirty="0" smtClean="0"/>
+              <a:t> of </a:t>
+            </a:r>
+            <a:r>
+              <a:rPr lang="tr-TR" dirty="0" err="1" smtClean="0"/>
+              <a:t>previous</a:t>
+            </a:r>
+            <a:r>
+              <a:rPr lang="tr-TR" dirty="0" smtClean="0"/>
+              <a:t> model </a:t>
+            </a:r>
+            <a:endParaRPr lang="tr-TR" dirty="0"/>
+          </a:p>
+        </p:txBody>
+      </p:sp>
+      <p:pic>
+        <p:nvPicPr>
+          <p:cNvPr id="5123" name="Picture 3"/>
+          <p:cNvPicPr>
+            <a:picLocks noChangeAspect="1" noChangeArrowheads="1"/>
+          </p:cNvPicPr>
+          <p:nvPr/>
+        </p:nvPicPr>
+        <p:blipFill>
+          <a:blip r:embed="rId3"/>
+          <a:srcRect/>
+          <a:stretch>
+            <a:fillRect/>
+          </a:stretch>
+        </p:blipFill>
+        <p:spPr bwMode="auto">
+          <a:xfrm>
+            <a:off x="285720" y="2928934"/>
+            <a:ext cx="3300727" cy="1714512"/>
+          </a:xfrm>
+          <a:prstGeom prst="rect">
+            <a:avLst/>
+          </a:prstGeom>
+          <a:noFill/>
+          <a:ln w="9525">
+            <a:noFill/>
+            <a:miter lim="800000"/>
+            <a:headEnd/>
+            <a:tailEnd/>
           </a:ln>
-        </p:spPr>
-        <p:style>
-          <a:lnRef idx="2">
-            <a:schemeClr val="accent1">
-              <a:shade val="50000"/>
-            </a:schemeClr>
-          </a:lnRef>
-          <a:fillRef idx="1">
-            <a:schemeClr val="accent1"/>
-          </a:fillRef>
-          <a:effectRef idx="0">
-            <a:schemeClr val="accent1"/>
-          </a:effectRef>
-          <a:fontRef idx="minor">
-            <a:schemeClr val="lt1"/>
-          </a:fontRef>
-        </p:style>
-        <p:txBody>
-          <a:bodyPr rtlCol="0" anchor="ctr"/>
-          <a:lstStyle/>
-          <a:p>
-            <a:pPr algn="ctr"/>
-            <a:endParaRPr lang="tr-TR"/>
-          </a:p>
-        </p:txBody>
-      </p:sp>
+          <a:effectLst/>
+        </p:spPr>
+      </p:pic>
+      <p:pic>
+        <p:nvPicPr>
+          <p:cNvPr id="5125" name="Picture 5"/>
+          <p:cNvPicPr>
+            <a:picLocks noChangeAspect="1" noChangeArrowheads="1"/>
+          </p:cNvPicPr>
+          <p:nvPr/>
+        </p:nvPicPr>
+        <p:blipFill>
+          <a:blip r:embed="rId4"/>
+          <a:srcRect/>
+          <a:stretch>
+            <a:fillRect/>
+          </a:stretch>
+        </p:blipFill>
+        <p:spPr bwMode="auto">
+          <a:xfrm>
+            <a:off x="285720" y="4643446"/>
+            <a:ext cx="6368539" cy="1871670"/>
+          </a:xfrm>
+          <a:prstGeom prst="rect">
+            <a:avLst/>
+          </a:prstGeom>
+          <a:noFill/>
+          <a:ln w="9525">
+            <a:noFill/>
+            <a:miter lim="800000"/>
+            <a:headEnd/>
+            <a:tailEnd/>
+          </a:ln>
+          <a:effectLst/>
+        </p:spPr>
+      </p:pic>
     </p:spTree>
   </p:cSld>
   <p:clrMapOvr>
     <a:masterClrMapping/>
   </p:clrMapOvr>
+  <p:timing>
+    <p:tnLst>
+      <p:par>
+        <p:cTn id="1" dur="indefinite" restart="never" nodeType="tmRoot"/>
+      </p:par>
+    </p:tnLst>
+  </p:timing>
 </p:sld>
 </file>
 
@@ -4356,15 +4518,49 @@
           <a:chExt cx="0" cy="0"/>
         </a:xfrm>
       </p:grpSpPr>
+      <p:sp>
+        <p:nvSpPr>
+          <p:cNvPr id="2" name="1 Başlık"/>
+          <p:cNvSpPr>
+            <a:spLocks noGrp="1"/>
+          </p:cNvSpPr>
+          <p:nvPr>
+            <p:ph type="title"/>
+          </p:nvPr>
+        </p:nvSpPr>
+        <p:spPr>
+          <a:xfrm>
+            <a:off x="500034" y="428604"/>
+            <a:ext cx="8229600" cy="1066800"/>
+          </a:xfrm>
+        </p:spPr>
+        <p:txBody>
+          <a:bodyPr/>
+          <a:lstStyle/>
+          <a:p>
+            <a:r>
+              <a:rPr lang="tr-TR" dirty="0" err="1" smtClean="0"/>
+              <a:t>Cross</a:t>
+            </a:r>
+            <a:r>
+              <a:rPr lang="tr-TR" dirty="0" smtClean="0"/>
+              <a:t>-</a:t>
+            </a:r>
+            <a:r>
+              <a:rPr lang="tr-TR" dirty="0" err="1" smtClean="0"/>
+              <a:t>Validation</a:t>
+            </a:r>
+            <a:endParaRPr lang="tr-TR" dirty="0"/>
+          </a:p>
+        </p:txBody>
+      </p:sp>
       <p:pic>
         <p:nvPicPr>
-          <p:cNvPr id="10242" name="Picture 2"/>
+          <p:cNvPr id="6146" name="Picture 2"/>
           <p:cNvPicPr>
-            <a:picLocks noGrp="1" noChangeAspect="1" noChangeArrowheads="1"/>
+            <a:picLocks noChangeAspect="1" noChangeArrowheads="1"/>
           </p:cNvPicPr>
-          <p:nvPr>
-            <p:ph idx="1"/>
-          </p:nvPr>
+          <p:nvPr/>
         </p:nvPicPr>
         <p:blipFill>
           <a:blip r:embed="rId2"/>
@@ -4375,8 +4571,8 @@
         </p:blipFill>
         <p:spPr bwMode="auto">
           <a:xfrm>
-            <a:off x="357158" y="500042"/>
-            <a:ext cx="4448175" cy="3981450"/>
+            <a:off x="428596" y="1571612"/>
+            <a:ext cx="5724525" cy="2009775"/>
           </a:xfrm>
           <a:prstGeom prst="rect">
             <a:avLst/>
@@ -4393,7 +4589,7 @@
       </p:pic>
       <p:pic>
         <p:nvPicPr>
-          <p:cNvPr id="10244" name="Picture 4"/>
+          <p:cNvPr id="6147" name="Picture 3"/>
           <p:cNvPicPr>
             <a:picLocks noChangeAspect="1" noChangeArrowheads="1"/>
           </p:cNvPicPr>
@@ -4408,8 +4604,8 @@
         </p:blipFill>
         <p:spPr bwMode="auto">
           <a:xfrm>
-            <a:off x="4286248" y="3429000"/>
-            <a:ext cx="4257576" cy="3071834"/>
+            <a:off x="428596" y="3714752"/>
+            <a:ext cx="2600325" cy="1285875"/>
           </a:xfrm>
           <a:prstGeom prst="rect">
             <a:avLst/>
@@ -4424,11 +4620,657 @@
           <a:effectLst/>
         </p:spPr>
       </p:pic>
+      <p:pic>
+        <p:nvPicPr>
+          <p:cNvPr id="6148" name="Picture 4"/>
+          <p:cNvPicPr>
+            <a:picLocks noChangeAspect="1" noChangeArrowheads="1"/>
+          </p:cNvPicPr>
+          <p:nvPr/>
+        </p:nvPicPr>
+        <p:blipFill>
+          <a:blip r:embed="rId4"/>
+          <a:srcRect/>
+          <a:stretch>
+            <a:fillRect/>
+          </a:stretch>
+        </p:blipFill>
+        <p:spPr bwMode="auto">
+          <a:xfrm>
+            <a:off x="428596" y="5143512"/>
+            <a:ext cx="7934325" cy="1409700"/>
+          </a:xfrm>
+          <a:prstGeom prst="rect">
+            <a:avLst/>
+          </a:prstGeom>
+          <a:noFill/>
+          <a:ln w="9525">
+            <a:noFill/>
+            <a:miter lim="800000"/>
+            <a:headEnd/>
+            <a:tailEnd/>
+          </a:ln>
+          <a:effectLst/>
+        </p:spPr>
+      </p:pic>
     </p:spTree>
   </p:cSld>
   <p:clrMapOvr>
     <a:masterClrMapping/>
   </p:clrMapOvr>
+  <p:timing>
+    <p:tnLst>
+      <p:par>
+        <p:cTn id="1" dur="indefinite" restart="never" nodeType="tmRoot"/>
+      </p:par>
+    </p:tnLst>
+  </p:timing>
+</p:sld>
+</file>
+
+<file path=ppt/slides/slide12.xml><?xml version="1.0" encoding="utf-8"?>
+<p:sld xmlns:a="http://schemas.openxmlformats.org/drawingml/2006/main" xmlns:r="http://schemas.openxmlformats.org/officeDocument/2006/relationships" xmlns:p="http://schemas.openxmlformats.org/presentationml/2006/main">
+  <p:cSld>
+    <p:spTree>
+      <p:nvGrpSpPr>
+        <p:cNvPr id="1" name=""/>
+        <p:cNvGrpSpPr/>
+        <p:nvPr/>
+      </p:nvGrpSpPr>
+      <p:grpSpPr>
+        <a:xfrm>
+          <a:off x="0" y="0"/>
+          <a:ext cx="0" cy="0"/>
+          <a:chOff x="0" y="0"/>
+          <a:chExt cx="0" cy="0"/>
+        </a:xfrm>
+      </p:grpSpPr>
+      <p:sp>
+        <p:nvSpPr>
+          <p:cNvPr id="2" name="1 Başlık"/>
+          <p:cNvSpPr>
+            <a:spLocks noGrp="1"/>
+          </p:cNvSpPr>
+          <p:nvPr>
+            <p:ph type="title"/>
+          </p:nvPr>
+        </p:nvSpPr>
+        <p:spPr>
+          <a:xfrm>
+            <a:off x="571472" y="357166"/>
+            <a:ext cx="8015286" cy="1066800"/>
+          </a:xfrm>
+        </p:spPr>
+        <p:txBody>
+          <a:bodyPr>
+            <a:normAutofit fontScale="90000"/>
+          </a:bodyPr>
+          <a:lstStyle/>
+          <a:p>
+            <a:r>
+              <a:rPr lang="tr-TR" dirty="0" err="1" smtClean="0"/>
+              <a:t>Principal</a:t>
+            </a:r>
+            <a:r>
+              <a:rPr lang="tr-TR" dirty="0" smtClean="0"/>
+              <a:t> </a:t>
+            </a:r>
+            <a:r>
+              <a:rPr lang="tr-TR" dirty="0" err="1" smtClean="0"/>
+              <a:t>Component</a:t>
+            </a:r>
+            <a:r>
+              <a:rPr lang="tr-TR" dirty="0" smtClean="0"/>
+              <a:t> </a:t>
+            </a:r>
+            <a:r>
+              <a:rPr lang="tr-TR" dirty="0" err="1" smtClean="0"/>
+              <a:t>Analysis</a:t>
+            </a:r>
+            <a:r>
+              <a:rPr lang="tr-TR" dirty="0" smtClean="0"/>
+              <a:t>(PCA)</a:t>
+            </a:r>
+            <a:endParaRPr lang="tr-TR" dirty="0"/>
+          </a:p>
+        </p:txBody>
+      </p:sp>
+      <p:pic>
+        <p:nvPicPr>
+          <p:cNvPr id="7170" name="Picture 2"/>
+          <p:cNvPicPr>
+            <a:picLocks noChangeAspect="1" noChangeArrowheads="1"/>
+          </p:cNvPicPr>
+          <p:nvPr/>
+        </p:nvPicPr>
+        <p:blipFill>
+          <a:blip r:embed="rId2"/>
+          <a:srcRect r="16364"/>
+          <a:stretch>
+            <a:fillRect/>
+          </a:stretch>
+        </p:blipFill>
+        <p:spPr bwMode="auto">
+          <a:xfrm>
+            <a:off x="208495" y="1571612"/>
+            <a:ext cx="2291803" cy="2000264"/>
+          </a:xfrm>
+          <a:prstGeom prst="rect">
+            <a:avLst/>
+          </a:prstGeom>
+          <a:noFill/>
+          <a:ln w="9525">
+            <a:noFill/>
+            <a:miter lim="800000"/>
+            <a:headEnd/>
+            <a:tailEnd/>
+          </a:ln>
+          <a:effectLst/>
+        </p:spPr>
+      </p:pic>
+      <p:sp>
+        <p:nvSpPr>
+          <p:cNvPr id="5" name="4 Metin kutusu"/>
+          <p:cNvSpPr txBox="1"/>
+          <p:nvPr/>
+        </p:nvSpPr>
+        <p:spPr>
+          <a:xfrm>
+            <a:off x="571472" y="1214422"/>
+            <a:ext cx="1428760" cy="369332"/>
+          </a:xfrm>
+          <a:prstGeom prst="rect">
+            <a:avLst/>
+          </a:prstGeom>
+          <a:noFill/>
+        </p:spPr>
+        <p:txBody>
+          <a:bodyPr wrap="square" rtlCol="0">
+            <a:spAutoFit/>
+          </a:bodyPr>
+          <a:lstStyle/>
+          <a:p>
+            <a:r>
+              <a:rPr lang="tr-TR" u="sng" dirty="0" err="1" smtClean="0"/>
+              <a:t>D</a:t>
+            </a:r>
+            <a:r>
+              <a:rPr lang="tr-TR" u="sng" dirty="0" err="1" smtClean="0"/>
+              <a:t>ummy</a:t>
+            </a:r>
+            <a:endParaRPr lang="tr-TR" u="sng" dirty="0"/>
+          </a:p>
+        </p:txBody>
+      </p:sp>
+      <p:pic>
+        <p:nvPicPr>
+          <p:cNvPr id="7171" name="Picture 3"/>
+          <p:cNvPicPr>
+            <a:picLocks noChangeAspect="1" noChangeArrowheads="1"/>
+          </p:cNvPicPr>
+          <p:nvPr/>
+        </p:nvPicPr>
+        <p:blipFill>
+          <a:blip r:embed="rId3"/>
+          <a:srcRect/>
+          <a:stretch>
+            <a:fillRect/>
+          </a:stretch>
+        </p:blipFill>
+        <p:spPr bwMode="auto">
+          <a:xfrm>
+            <a:off x="2557494" y="1500174"/>
+            <a:ext cx="6515100" cy="2609850"/>
+          </a:xfrm>
+          <a:prstGeom prst="rect">
+            <a:avLst/>
+          </a:prstGeom>
+          <a:noFill/>
+          <a:ln w="9525">
+            <a:noFill/>
+            <a:miter lim="800000"/>
+            <a:headEnd/>
+            <a:tailEnd/>
+          </a:ln>
+          <a:effectLst/>
+        </p:spPr>
+      </p:pic>
+      <p:pic>
+        <p:nvPicPr>
+          <p:cNvPr id="7" name="Picture 10"/>
+          <p:cNvPicPr>
+            <a:picLocks noChangeAspect="1" noChangeArrowheads="1"/>
+          </p:cNvPicPr>
+          <p:nvPr/>
+        </p:nvPicPr>
+        <p:blipFill>
+          <a:blip r:embed="rId4"/>
+          <a:srcRect/>
+          <a:stretch>
+            <a:fillRect/>
+          </a:stretch>
+        </p:blipFill>
+        <p:spPr bwMode="auto">
+          <a:xfrm>
+            <a:off x="417246" y="4714884"/>
+            <a:ext cx="5083448" cy="1285884"/>
+          </a:xfrm>
+          <a:prstGeom prst="rect">
+            <a:avLst/>
+          </a:prstGeom>
+          <a:noFill/>
+          <a:ln w="9525">
+            <a:noFill/>
+            <a:miter lim="800000"/>
+            <a:headEnd/>
+            <a:tailEnd/>
+          </a:ln>
+          <a:effectLst/>
+        </p:spPr>
+      </p:pic>
+      <p:sp>
+        <p:nvSpPr>
+          <p:cNvPr id="8" name="7 Metin kutusu"/>
+          <p:cNvSpPr txBox="1"/>
+          <p:nvPr/>
+        </p:nvSpPr>
+        <p:spPr>
+          <a:xfrm>
+            <a:off x="785786" y="4214818"/>
+            <a:ext cx="1428760" cy="369332"/>
+          </a:xfrm>
+          <a:prstGeom prst="rect">
+            <a:avLst/>
+          </a:prstGeom>
+          <a:noFill/>
+        </p:spPr>
+        <p:txBody>
+          <a:bodyPr wrap="square" rtlCol="0">
+            <a:spAutoFit/>
+          </a:bodyPr>
+          <a:lstStyle/>
+          <a:p>
+            <a:r>
+              <a:rPr lang="tr-TR" u="sng" dirty="0" smtClean="0"/>
+              <a:t>Model</a:t>
+            </a:r>
+            <a:endParaRPr lang="tr-TR" u="sng" dirty="0"/>
+          </a:p>
+        </p:txBody>
+      </p:sp>
+    </p:spTree>
+  </p:cSld>
+  <p:clrMapOvr>
+    <a:masterClrMapping/>
+  </p:clrMapOvr>
+  <p:timing>
+    <p:tnLst>
+      <p:par>
+        <p:cTn id="1" dur="indefinite" restart="never" nodeType="tmRoot"/>
+      </p:par>
+    </p:tnLst>
+  </p:timing>
+</p:sld>
+</file>
+
+<file path=ppt/slides/slide13.xml><?xml version="1.0" encoding="utf-8"?>
+<p:sld xmlns:a="http://schemas.openxmlformats.org/drawingml/2006/main" xmlns:r="http://schemas.openxmlformats.org/officeDocument/2006/relationships" xmlns:p="http://schemas.openxmlformats.org/presentationml/2006/main">
+  <p:cSld>
+    <p:spTree>
+      <p:nvGrpSpPr>
+        <p:cNvPr id="1" name=""/>
+        <p:cNvGrpSpPr/>
+        <p:nvPr/>
+      </p:nvGrpSpPr>
+      <p:grpSpPr>
+        <a:xfrm>
+          <a:off x="0" y="0"/>
+          <a:ext cx="0" cy="0"/>
+          <a:chOff x="0" y="0"/>
+          <a:chExt cx="0" cy="0"/>
+        </a:xfrm>
+      </p:grpSpPr>
+      <p:sp>
+        <p:nvSpPr>
+          <p:cNvPr id="2" name="1 Başlık"/>
+          <p:cNvSpPr>
+            <a:spLocks noGrp="1"/>
+          </p:cNvSpPr>
+          <p:nvPr>
+            <p:ph type="title"/>
+          </p:nvPr>
+        </p:nvSpPr>
+        <p:spPr>
+          <a:xfrm>
+            <a:off x="428596" y="285728"/>
+            <a:ext cx="8229600" cy="1066800"/>
+          </a:xfrm>
+        </p:spPr>
+        <p:txBody>
+          <a:bodyPr/>
+          <a:lstStyle/>
+          <a:p>
+            <a:r>
+              <a:rPr lang="tr-TR" dirty="0" err="1" smtClean="0"/>
+              <a:t>Explained</a:t>
+            </a:r>
+            <a:r>
+              <a:rPr lang="tr-TR" dirty="0" smtClean="0"/>
+              <a:t> </a:t>
+            </a:r>
+            <a:r>
+              <a:rPr lang="tr-TR" dirty="0" err="1" smtClean="0"/>
+              <a:t>Variance</a:t>
+            </a:r>
+            <a:r>
+              <a:rPr lang="tr-TR" dirty="0" smtClean="0"/>
+              <a:t> </a:t>
+            </a:r>
+            <a:r>
+              <a:rPr lang="tr-TR" dirty="0" err="1" smtClean="0"/>
+              <a:t>Ratio</a:t>
+            </a:r>
+            <a:endParaRPr lang="tr-TR" dirty="0"/>
+          </a:p>
+        </p:txBody>
+      </p:sp>
+      <p:pic>
+        <p:nvPicPr>
+          <p:cNvPr id="4" name="Picture 2"/>
+          <p:cNvPicPr>
+            <a:picLocks noChangeAspect="1" noChangeArrowheads="1"/>
+          </p:cNvPicPr>
+          <p:nvPr/>
+        </p:nvPicPr>
+        <p:blipFill>
+          <a:blip r:embed="rId2"/>
+          <a:srcRect t="24331"/>
+          <a:stretch>
+            <a:fillRect/>
+          </a:stretch>
+        </p:blipFill>
+        <p:spPr bwMode="auto">
+          <a:xfrm>
+            <a:off x="500034" y="1214422"/>
+            <a:ext cx="5214974" cy="2857520"/>
+          </a:xfrm>
+          <a:prstGeom prst="rect">
+            <a:avLst/>
+          </a:prstGeom>
+          <a:noFill/>
+          <a:ln w="9525">
+            <a:noFill/>
+            <a:miter lim="800000"/>
+            <a:headEnd/>
+            <a:tailEnd/>
+          </a:ln>
+          <a:effectLst/>
+        </p:spPr>
+      </p:pic>
+      <p:pic>
+        <p:nvPicPr>
+          <p:cNvPr id="5" name="Picture 6"/>
+          <p:cNvPicPr>
+            <a:picLocks noChangeAspect="1" noChangeArrowheads="1"/>
+          </p:cNvPicPr>
+          <p:nvPr/>
+        </p:nvPicPr>
+        <p:blipFill>
+          <a:blip r:embed="rId3"/>
+          <a:srcRect t="4545" r="7073"/>
+          <a:stretch>
+            <a:fillRect/>
+          </a:stretch>
+        </p:blipFill>
+        <p:spPr bwMode="auto">
+          <a:xfrm>
+            <a:off x="4357718" y="3929090"/>
+            <a:ext cx="4786314" cy="3000372"/>
+          </a:xfrm>
+          <a:prstGeom prst="rect">
+            <a:avLst/>
+          </a:prstGeom>
+          <a:noFill/>
+          <a:ln w="9525">
+            <a:noFill/>
+            <a:miter lim="800000"/>
+            <a:headEnd/>
+            <a:tailEnd/>
+          </a:ln>
+          <a:effectLst/>
+        </p:spPr>
+      </p:pic>
+    </p:spTree>
+  </p:cSld>
+  <p:clrMapOvr>
+    <a:masterClrMapping/>
+  </p:clrMapOvr>
+  <p:timing>
+    <p:tnLst>
+      <p:par>
+        <p:cTn id="1" dur="indefinite" restart="never" nodeType="tmRoot"/>
+      </p:par>
+    </p:tnLst>
+  </p:timing>
+</p:sld>
+</file>
+
+<file path=ppt/slides/slide14.xml><?xml version="1.0" encoding="utf-8"?>
+<p:sld xmlns:a="http://schemas.openxmlformats.org/drawingml/2006/main" xmlns:r="http://schemas.openxmlformats.org/officeDocument/2006/relationships" xmlns:p="http://schemas.openxmlformats.org/presentationml/2006/main">
+  <p:cSld>
+    <p:spTree>
+      <p:nvGrpSpPr>
+        <p:cNvPr id="1" name=""/>
+        <p:cNvGrpSpPr/>
+        <p:nvPr/>
+      </p:nvGrpSpPr>
+      <p:grpSpPr>
+        <a:xfrm>
+          <a:off x="0" y="0"/>
+          <a:ext cx="0" cy="0"/>
+          <a:chOff x="0" y="0"/>
+          <a:chExt cx="0" cy="0"/>
+        </a:xfrm>
+      </p:grpSpPr>
+      <p:sp>
+        <p:nvSpPr>
+          <p:cNvPr id="2" name="1 Başlık"/>
+          <p:cNvSpPr>
+            <a:spLocks noGrp="1"/>
+          </p:cNvSpPr>
+          <p:nvPr>
+            <p:ph type="title"/>
+          </p:nvPr>
+        </p:nvSpPr>
+        <p:spPr>
+          <a:xfrm>
+            <a:off x="357158" y="500042"/>
+            <a:ext cx="8229600" cy="1066800"/>
+          </a:xfrm>
+        </p:spPr>
+        <p:txBody>
+          <a:bodyPr/>
+          <a:lstStyle/>
+          <a:p>
+            <a:r>
+              <a:rPr lang="tr-TR" dirty="0" err="1" smtClean="0"/>
+              <a:t>Components</a:t>
+            </a:r>
+            <a:endParaRPr lang="tr-TR" dirty="0"/>
+          </a:p>
+        </p:txBody>
+      </p:sp>
+      <p:pic>
+        <p:nvPicPr>
+          <p:cNvPr id="28674" name="Picture 2"/>
+          <p:cNvPicPr>
+            <a:picLocks noChangeAspect="1" noChangeArrowheads="1"/>
+          </p:cNvPicPr>
+          <p:nvPr/>
+        </p:nvPicPr>
+        <p:blipFill>
+          <a:blip r:embed="rId2"/>
+          <a:srcRect/>
+          <a:stretch>
+            <a:fillRect/>
+          </a:stretch>
+        </p:blipFill>
+        <p:spPr bwMode="auto">
+          <a:xfrm>
+            <a:off x="285720" y="2571744"/>
+            <a:ext cx="3800475" cy="2552700"/>
+          </a:xfrm>
+          <a:prstGeom prst="rect">
+            <a:avLst/>
+          </a:prstGeom>
+          <a:noFill/>
+          <a:ln w="9525">
+            <a:noFill/>
+            <a:miter lim="800000"/>
+            <a:headEnd/>
+            <a:tailEnd/>
+          </a:ln>
+          <a:effectLst/>
+        </p:spPr>
+      </p:pic>
+      <p:pic>
+        <p:nvPicPr>
+          <p:cNvPr id="28675" name="Picture 3"/>
+          <p:cNvPicPr>
+            <a:picLocks noChangeAspect="1" noChangeArrowheads="1"/>
+          </p:cNvPicPr>
+          <p:nvPr/>
+        </p:nvPicPr>
+        <p:blipFill>
+          <a:blip r:embed="rId3"/>
+          <a:srcRect/>
+          <a:stretch>
+            <a:fillRect/>
+          </a:stretch>
+        </p:blipFill>
+        <p:spPr bwMode="auto">
+          <a:xfrm>
+            <a:off x="4572000" y="2571744"/>
+            <a:ext cx="3867150" cy="2552700"/>
+          </a:xfrm>
+          <a:prstGeom prst="rect">
+            <a:avLst/>
+          </a:prstGeom>
+          <a:noFill/>
+          <a:ln w="9525">
+            <a:noFill/>
+            <a:miter lim="800000"/>
+            <a:headEnd/>
+            <a:tailEnd/>
+          </a:ln>
+          <a:effectLst/>
+        </p:spPr>
+      </p:pic>
+    </p:spTree>
+  </p:cSld>
+  <p:clrMapOvr>
+    <a:masterClrMapping/>
+  </p:clrMapOvr>
+  <p:timing>
+    <p:tnLst>
+      <p:par>
+        <p:cTn id="1" dur="indefinite" restart="never" nodeType="tmRoot"/>
+      </p:par>
+    </p:tnLst>
+  </p:timing>
+</p:sld>
+</file>
+
+<file path=ppt/slides/slide15.xml><?xml version="1.0" encoding="utf-8"?>
+<p:sld xmlns:a="http://schemas.openxmlformats.org/drawingml/2006/main" xmlns:r="http://schemas.openxmlformats.org/officeDocument/2006/relationships" xmlns:p="http://schemas.openxmlformats.org/presentationml/2006/main">
+  <p:cSld>
+    <p:spTree>
+      <p:nvGrpSpPr>
+        <p:cNvPr id="1" name=""/>
+        <p:cNvGrpSpPr/>
+        <p:nvPr/>
+      </p:nvGrpSpPr>
+      <p:grpSpPr>
+        <a:xfrm>
+          <a:off x="0" y="0"/>
+          <a:ext cx="0" cy="0"/>
+          <a:chOff x="0" y="0"/>
+          <a:chExt cx="0" cy="0"/>
+        </a:xfrm>
+      </p:grpSpPr>
+      <p:sp>
+        <p:nvSpPr>
+          <p:cNvPr id="2" name="1 Başlık"/>
+          <p:cNvSpPr>
+            <a:spLocks noGrp="1"/>
+          </p:cNvSpPr>
+          <p:nvPr>
+            <p:ph type="title"/>
+          </p:nvPr>
+        </p:nvSpPr>
+        <p:spPr>
+          <a:xfrm>
+            <a:off x="428596" y="500042"/>
+            <a:ext cx="8229600" cy="1066800"/>
+          </a:xfrm>
+        </p:spPr>
+        <p:txBody>
+          <a:bodyPr/>
+          <a:lstStyle/>
+          <a:p>
+            <a:r>
+              <a:rPr lang="tr-TR" dirty="0" err="1" smtClean="0"/>
+              <a:t>Result</a:t>
+            </a:r>
+            <a:endParaRPr lang="tr-TR" dirty="0"/>
+          </a:p>
+        </p:txBody>
+      </p:sp>
+      <p:pic>
+        <p:nvPicPr>
+          <p:cNvPr id="4" name="Picture 2"/>
+          <p:cNvPicPr>
+            <a:picLocks noChangeAspect="1" noChangeArrowheads="1"/>
+          </p:cNvPicPr>
+          <p:nvPr/>
+        </p:nvPicPr>
+        <p:blipFill>
+          <a:blip r:embed="rId2"/>
+          <a:srcRect/>
+          <a:stretch>
+            <a:fillRect/>
+          </a:stretch>
+        </p:blipFill>
+        <p:spPr bwMode="auto">
+          <a:xfrm>
+            <a:off x="1643042" y="1857364"/>
+            <a:ext cx="6034877" cy="3929090"/>
+          </a:xfrm>
+          <a:prstGeom prst="rect">
+            <a:avLst/>
+          </a:prstGeom>
+          <a:noFill/>
+          <a:ln w="9525">
+            <a:noFill/>
+            <a:miter lim="800000"/>
+            <a:headEnd/>
+            <a:tailEnd/>
+          </a:ln>
+          <a:effectLst/>
+        </p:spPr>
+      </p:pic>
+    </p:spTree>
+  </p:cSld>
+  <p:clrMapOvr>
+    <a:masterClrMapping/>
+  </p:clrMapOvr>
+  <p:timing>
+    <p:tnLst>
+      <p:par>
+        <p:cTn id="1" dur="indefinite" restart="never" nodeType="tmRoot"/>
+      </p:par>
+    </p:tnLst>
+  </p:timing>
 </p:sld>
 </file>
 
@@ -4461,7 +5303,7 @@
         </p:nvSpPr>
         <p:spPr>
           <a:xfrm>
-            <a:off x="428596" y="1000108"/>
+            <a:off x="428596" y="642918"/>
             <a:ext cx="8229600" cy="1066800"/>
           </a:xfrm>
         </p:spPr>
@@ -4587,6 +5429,13 @@
   <p:clrMapOvr>
     <a:masterClrMapping/>
   </p:clrMapOvr>
+  <p:timing>
+    <p:tnLst>
+      <p:par>
+        <p:cTn id="1" dur="indefinite" restart="never" nodeType="tmRoot"/>
+      </p:par>
+    </p:tnLst>
+  </p:timing>
 </p:sld>
 </file>
 
@@ -4617,7 +5466,12 @@
             <p:ph type="title"/>
           </p:nvPr>
         </p:nvSpPr>
-        <p:spPr/>
+        <p:spPr>
+          <a:xfrm>
+            <a:off x="357158" y="571480"/>
+            <a:ext cx="8229600" cy="1066800"/>
+          </a:xfrm>
+        </p:spPr>
         <p:txBody>
           <a:bodyPr>
             <a:normAutofit fontScale="90000"/>
@@ -4625,23 +5479,23 @@
           <a:lstStyle/>
           <a:p>
             <a:r>
-              <a:rPr lang="tr-TR" b="1" dirty="0" err="1" smtClean="0"/>
+              <a:rPr lang="tr-TR" dirty="0" err="1" smtClean="0"/>
               <a:t>Deleting</a:t>
             </a:r>
             <a:r>
-              <a:rPr lang="tr-TR" b="1" dirty="0" smtClean="0"/>
+              <a:rPr lang="tr-TR" dirty="0" smtClean="0"/>
               <a:t> </a:t>
             </a:r>
             <a:r>
-              <a:rPr lang="tr-TR" b="1" dirty="0" err="1" smtClean="0"/>
+              <a:rPr lang="tr-TR" dirty="0" err="1" smtClean="0"/>
               <a:t>Null</a:t>
             </a:r>
             <a:r>
-              <a:rPr lang="tr-TR" b="1" dirty="0" smtClean="0"/>
+              <a:rPr lang="tr-TR" dirty="0" smtClean="0"/>
               <a:t> </a:t>
             </a:r>
             <a:r>
-              <a:rPr lang="tr-TR" b="1" dirty="0" err="1" smtClean="0"/>
+              <a:rPr lang="tr-TR" dirty="0" err="1" smtClean="0"/>
               <a:t>variables</a:t>
             </a:r>
             <a:r>
@@ -4674,8 +5528,8 @@
         </p:blipFill>
         <p:spPr bwMode="auto">
           <a:xfrm>
-            <a:off x="714348" y="2857496"/>
-            <a:ext cx="5264180" cy="3071834"/>
+            <a:off x="571471" y="2214554"/>
+            <a:ext cx="5998717" cy="3500462"/>
           </a:xfrm>
           <a:prstGeom prst="rect">
             <a:avLst/>
@@ -4695,6 +5549,13 @@
   <p:clrMapOvr>
     <a:masterClrMapping/>
   </p:clrMapOvr>
+  <p:timing>
+    <p:tnLst>
+      <p:par>
+        <p:cTn id="1" dur="indefinite" restart="never" nodeType="tmRoot"/>
+      </p:par>
+    </p:tnLst>
+  </p:timing>
 </p:sld>
 </file>
 
@@ -4727,7 +5588,7 @@
         </p:nvSpPr>
         <p:spPr>
           <a:xfrm>
-            <a:off x="457200" y="857232"/>
+            <a:off x="500034" y="571480"/>
             <a:ext cx="8229600" cy="1066800"/>
           </a:xfrm>
         </p:spPr>
@@ -4770,7 +5631,7 @@
         </p:blipFill>
         <p:spPr bwMode="auto">
           <a:xfrm>
-            <a:off x="500034" y="1857364"/>
+            <a:off x="214282" y="1643050"/>
             <a:ext cx="4324976" cy="1715693"/>
           </a:xfrm>
           <a:prstGeom prst="rect">
@@ -4803,7 +5664,7 @@
         </p:blipFill>
         <p:spPr bwMode="auto">
           <a:xfrm>
-            <a:off x="0" y="3500438"/>
+            <a:off x="285720" y="3714752"/>
             <a:ext cx="5371078" cy="2471739"/>
           </a:xfrm>
           <a:prstGeom prst="rect">
@@ -4819,49 +5680,154 @@
           <a:effectLst/>
         </p:spPr>
       </p:pic>
-      <p:pic>
-        <p:nvPicPr>
-          <p:cNvPr id="3076" name="Picture 4"/>
-          <p:cNvPicPr>
-            <a:picLocks noChangeAspect="1" noChangeArrowheads="1"/>
-          </p:cNvPicPr>
+      <p:sp>
+        <p:nvSpPr>
+          <p:cNvPr id="8" name="7 Dikdörtgen"/>
+          <p:cNvSpPr/>
           <p:nvPr/>
-        </p:nvPicPr>
-        <p:blipFill>
-          <a:blip r:embed="rId4"/>
-          <a:srcRect/>
-          <a:stretch>
-            <a:fillRect/>
-          </a:stretch>
-        </p:blipFill>
-        <p:spPr bwMode="auto">
-          <a:xfrm>
-            <a:off x="5072066" y="3214686"/>
-            <a:ext cx="3824801" cy="2143140"/>
+        </p:nvSpPr>
+        <p:spPr>
+          <a:xfrm>
+            <a:off x="214282" y="2786058"/>
+            <a:ext cx="1285884" cy="500066"/>
           </a:xfrm>
           <a:prstGeom prst="rect">
             <a:avLst/>
           </a:prstGeom>
           <a:noFill/>
-          <a:ln w="9525">
-            <a:noFill/>
-            <a:miter lim="800000"/>
-            <a:headEnd/>
-            <a:tailEnd/>
+          <a:ln w="28575">
+            <a:solidFill>
+              <a:srgbClr val="FF0000"/>
+            </a:solidFill>
           </a:ln>
-          <a:effectLst/>
-        </p:spPr>
-      </p:pic>
-      <p:sp>
-        <p:nvSpPr>
-          <p:cNvPr id="7" name="6 Metin kutusu"/>
+        </p:spPr>
+        <p:style>
+          <a:lnRef idx="2">
+            <a:schemeClr val="accent1">
+              <a:shade val="50000"/>
+            </a:schemeClr>
+          </a:lnRef>
+          <a:fillRef idx="1">
+            <a:schemeClr val="accent1"/>
+          </a:fillRef>
+          <a:effectRef idx="0">
+            <a:schemeClr val="accent1"/>
+          </a:effectRef>
+          <a:fontRef idx="minor">
+            <a:schemeClr val="lt1"/>
+          </a:fontRef>
+        </p:style>
+        <p:txBody>
+          <a:bodyPr rtlCol="0" anchor="ctr"/>
+          <a:lstStyle/>
+          <a:p>
+            <a:pPr algn="ctr"/>
+            <a:endParaRPr lang="tr-TR"/>
+          </a:p>
+        </p:txBody>
+      </p:sp>
+      <p:sp>
+        <p:nvSpPr>
+          <p:cNvPr id="9" name="8 Dikdörtgen"/>
+          <p:cNvSpPr/>
+          <p:nvPr/>
+        </p:nvSpPr>
+        <p:spPr>
+          <a:xfrm>
+            <a:off x="428596" y="5143512"/>
+            <a:ext cx="1714512" cy="285752"/>
+          </a:xfrm>
+          <a:prstGeom prst="rect">
+            <a:avLst/>
+          </a:prstGeom>
+          <a:noFill/>
+          <a:ln w="28575">
+            <a:solidFill>
+              <a:srgbClr val="FF0000"/>
+            </a:solidFill>
+          </a:ln>
+        </p:spPr>
+        <p:style>
+          <a:lnRef idx="2">
+            <a:schemeClr val="accent1">
+              <a:shade val="50000"/>
+            </a:schemeClr>
+          </a:lnRef>
+          <a:fillRef idx="1">
+            <a:schemeClr val="accent1"/>
+          </a:fillRef>
+          <a:effectRef idx="0">
+            <a:schemeClr val="accent1"/>
+          </a:effectRef>
+          <a:fontRef idx="minor">
+            <a:schemeClr val="lt1"/>
+          </a:fontRef>
+        </p:style>
+        <p:txBody>
+          <a:bodyPr rtlCol="0" anchor="ctr"/>
+          <a:lstStyle/>
+          <a:p>
+            <a:pPr algn="ctr"/>
+            <a:endParaRPr lang="tr-TR"/>
+          </a:p>
+        </p:txBody>
+      </p:sp>
+      <p:sp>
+        <p:nvSpPr>
+          <p:cNvPr id="10" name="9 Dikdörtgen"/>
+          <p:cNvSpPr/>
+          <p:nvPr/>
+        </p:nvSpPr>
+        <p:spPr>
+          <a:xfrm>
+            <a:off x="357158" y="5857892"/>
+            <a:ext cx="2071702" cy="285752"/>
+          </a:xfrm>
+          <a:prstGeom prst="rect">
+            <a:avLst/>
+          </a:prstGeom>
+          <a:noFill/>
+          <a:ln w="28575">
+            <a:solidFill>
+              <a:srgbClr val="FF0000"/>
+            </a:solidFill>
+          </a:ln>
+        </p:spPr>
+        <p:style>
+          <a:lnRef idx="2">
+            <a:schemeClr val="accent1">
+              <a:shade val="50000"/>
+            </a:schemeClr>
+          </a:lnRef>
+          <a:fillRef idx="1">
+            <a:schemeClr val="accent1"/>
+          </a:fillRef>
+          <a:effectRef idx="0">
+            <a:schemeClr val="accent1"/>
+          </a:effectRef>
+          <a:fontRef idx="minor">
+            <a:schemeClr val="lt1"/>
+          </a:fontRef>
+        </p:style>
+        <p:txBody>
+          <a:bodyPr rtlCol="0" anchor="ctr"/>
+          <a:lstStyle/>
+          <a:p>
+            <a:pPr algn="ctr"/>
+            <a:endParaRPr lang="tr-TR"/>
+          </a:p>
+        </p:txBody>
+      </p:sp>
+      <p:sp>
+        <p:nvSpPr>
+          <p:cNvPr id="11" name="10 Metin kutusu"/>
           <p:cNvSpPr txBox="1"/>
           <p:nvPr/>
         </p:nvSpPr>
         <p:spPr>
           <a:xfrm>
-            <a:off x="5572132" y="2786058"/>
-            <a:ext cx="1285884" cy="369332"/>
+            <a:off x="5429256" y="4286256"/>
+            <a:ext cx="3143272" cy="1200329"/>
           </a:xfrm>
           <a:prstGeom prst="rect">
             <a:avLst/>
@@ -4876,7 +5842,99 @@
           <a:p>
             <a:r>
               <a:rPr lang="tr-TR" dirty="0" err="1" smtClean="0"/>
-              <a:t>Dummy</a:t>
+              <a:t>Categorical</a:t>
+            </a:r>
+            <a:r>
+              <a:rPr lang="tr-TR" dirty="0" smtClean="0"/>
+              <a:t> </a:t>
+            </a:r>
+            <a:r>
+              <a:rPr lang="tr-TR" dirty="0" err="1" smtClean="0"/>
+              <a:t>variable</a:t>
+            </a:r>
+            <a:r>
+              <a:rPr lang="tr-TR" dirty="0" smtClean="0"/>
+              <a:t> </a:t>
+            </a:r>
+            <a:r>
+              <a:rPr lang="tr-TR" dirty="0" err="1" smtClean="0"/>
+              <a:t>will</a:t>
+            </a:r>
+            <a:r>
+              <a:rPr lang="tr-TR" dirty="0" smtClean="0"/>
+              <a:t> be not </a:t>
+            </a:r>
+            <a:r>
+              <a:rPr lang="tr-TR" dirty="0" err="1" smtClean="0"/>
+              <a:t>included</a:t>
+            </a:r>
+            <a:r>
+              <a:rPr lang="tr-TR" dirty="0" smtClean="0"/>
+              <a:t> </a:t>
+            </a:r>
+            <a:r>
+              <a:rPr lang="tr-TR" dirty="0" err="1" smtClean="0"/>
+              <a:t>to</a:t>
+            </a:r>
+            <a:r>
+              <a:rPr lang="tr-TR" dirty="0" smtClean="0"/>
+              <a:t> model. </a:t>
+            </a:r>
+            <a:r>
+              <a:rPr lang="tr-TR" dirty="0" err="1" smtClean="0"/>
+              <a:t>Because</a:t>
+            </a:r>
+            <a:r>
+              <a:rPr lang="tr-TR" dirty="0" smtClean="0"/>
+              <a:t>  it </a:t>
+            </a:r>
+            <a:r>
+              <a:rPr lang="tr-TR" dirty="0" err="1" smtClean="0"/>
+              <a:t>have</a:t>
+            </a:r>
+            <a:r>
+              <a:rPr lang="tr-TR" dirty="0" smtClean="0"/>
+              <a:t> no </a:t>
+            </a:r>
+            <a:r>
+              <a:rPr lang="tr-TR" dirty="0" err="1" smtClean="0"/>
+              <a:t>effect</a:t>
+            </a:r>
+            <a:r>
+              <a:rPr lang="tr-TR" dirty="0" smtClean="0"/>
+              <a:t> on </a:t>
+            </a:r>
+            <a:r>
+              <a:rPr lang="tr-TR" dirty="0" err="1" smtClean="0"/>
+              <a:t>the</a:t>
+            </a:r>
+            <a:r>
+              <a:rPr lang="tr-TR" dirty="0" smtClean="0"/>
+              <a:t>  </a:t>
+            </a:r>
+            <a:r>
+              <a:rPr lang="tr-TR" dirty="0" err="1" smtClean="0"/>
+              <a:t>all</a:t>
+            </a:r>
+            <a:r>
+              <a:rPr lang="tr-TR" dirty="0" smtClean="0"/>
+              <a:t> </a:t>
+            </a:r>
+            <a:r>
+              <a:rPr lang="tr-TR" dirty="0" err="1" smtClean="0"/>
+              <a:t>target</a:t>
+            </a:r>
+            <a:r>
+              <a:rPr lang="tr-TR" dirty="0" smtClean="0"/>
+              <a:t> </a:t>
+            </a:r>
+            <a:r>
+              <a:rPr lang="tr-TR" dirty="0" err="1" smtClean="0"/>
+              <a:t>sets</a:t>
+            </a:r>
+            <a:r>
+              <a:rPr lang="tr-TR" dirty="0" smtClean="0"/>
+              <a:t>.</a:t>
             </a:r>
             <a:endParaRPr lang="tr-TR" dirty="0"/>
           </a:p>
@@ -4887,6 +5945,13 @@
   <p:clrMapOvr>
     <a:masterClrMapping/>
   </p:clrMapOvr>
+  <p:timing>
+    <p:tnLst>
+      <p:par>
+        <p:cTn id="1" dur="indefinite" restart="never" nodeType="tmRoot"/>
+      </p:par>
+    </p:tnLst>
+  </p:timing>
 </p:sld>
 </file>
 
@@ -4919,7 +5984,7 @@
         </p:nvSpPr>
         <p:spPr>
           <a:xfrm>
-            <a:off x="428596" y="571480"/>
+            <a:off x="357158" y="571480"/>
             <a:ext cx="8229600" cy="1066800"/>
           </a:xfrm>
         </p:spPr>
@@ -4935,41 +6000,6 @@
           </a:p>
         </p:txBody>
       </p:sp>
-      <p:pic>
-        <p:nvPicPr>
-          <p:cNvPr id="4098" name="Picture 2"/>
-          <p:cNvPicPr>
-            <a:picLocks noGrp="1" noChangeAspect="1" noChangeArrowheads="1"/>
-          </p:cNvPicPr>
-          <p:nvPr>
-            <p:ph idx="1"/>
-          </p:nvPr>
-        </p:nvPicPr>
-        <p:blipFill>
-          <a:blip r:embed="rId2"/>
-          <a:srcRect/>
-          <a:stretch>
-            <a:fillRect/>
-          </a:stretch>
-        </p:blipFill>
-        <p:spPr bwMode="auto">
-          <a:xfrm>
-            <a:off x="571473" y="1643050"/>
-            <a:ext cx="5525120" cy="3000396"/>
-          </a:xfrm>
-          <a:prstGeom prst="rect">
-            <a:avLst/>
-          </a:prstGeom>
-          <a:noFill/>
-          <a:ln w="9525">
-            <a:noFill/>
-            <a:miter lim="800000"/>
-            <a:headEnd/>
-            <a:tailEnd/>
-          </a:ln>
-          <a:effectLst/>
-        </p:spPr>
-      </p:pic>
       <p:pic>
         <p:nvPicPr>
           <p:cNvPr id="4099" name="Picture 3"/>
@@ -4979,7 +6009,7 @@
           <p:nvPr/>
         </p:nvPicPr>
         <p:blipFill>
-          <a:blip r:embed="rId3"/>
+          <a:blip r:embed="rId2"/>
           <a:srcRect t="13742"/>
           <a:stretch>
             <a:fillRect/>
@@ -4987,7 +6017,7 @@
         </p:blipFill>
         <p:spPr bwMode="auto">
           <a:xfrm>
-            <a:off x="5214942" y="4357694"/>
+            <a:off x="5415753" y="4357694"/>
             <a:ext cx="3728247" cy="2500306"/>
           </a:xfrm>
           <a:prstGeom prst="rect">
@@ -5068,11 +6098,53 @@
           </a:p>
         </p:txBody>
       </p:sp>
+      <p:pic>
+        <p:nvPicPr>
+          <p:cNvPr id="1026" name="Picture 2"/>
+          <p:cNvPicPr>
+            <a:picLocks noGrp="1" noChangeAspect="1" noChangeArrowheads="1"/>
+          </p:cNvPicPr>
+          <p:nvPr>
+            <p:ph idx="1"/>
+          </p:nvPr>
+        </p:nvPicPr>
+        <p:blipFill>
+          <a:blip r:embed="rId3"/>
+          <a:srcRect/>
+          <a:stretch>
+            <a:fillRect/>
+          </a:stretch>
+        </p:blipFill>
+        <p:spPr bwMode="auto">
+          <a:xfrm>
+            <a:off x="357158" y="1357298"/>
+            <a:ext cx="6357982" cy="2984968"/>
+          </a:xfrm>
+          <a:prstGeom prst="rect">
+            <a:avLst/>
+          </a:prstGeom>
+          <a:noFill/>
+          <a:ln w="9525">
+            <a:noFill/>
+            <a:miter lim="800000"/>
+            <a:headEnd/>
+            <a:tailEnd/>
+          </a:ln>
+          <a:effectLst/>
+        </p:spPr>
+      </p:pic>
     </p:spTree>
   </p:cSld>
   <p:clrMapOvr>
     <a:masterClrMapping/>
   </p:clrMapOvr>
+  <p:timing>
+    <p:tnLst>
+      <p:par>
+        <p:cTn id="1" dur="indefinite" restart="never" nodeType="tmRoot"/>
+      </p:par>
+    </p:tnLst>
+  </p:timing>
 </p:sld>
 </file>
 
@@ -5093,56 +6165,6 @@
           <a:chExt cx="0" cy="0"/>
         </a:xfrm>
       </p:grpSpPr>
-      <p:sp>
-        <p:nvSpPr>
-          <p:cNvPr id="2" name="1 Başlık"/>
-          <p:cNvSpPr>
-            <a:spLocks noGrp="1"/>
-          </p:cNvSpPr>
-          <p:nvPr>
-            <p:ph type="title"/>
-          </p:nvPr>
-        </p:nvSpPr>
-        <p:spPr>
-          <a:xfrm>
-            <a:off x="357158" y="785794"/>
-            <a:ext cx="8229600" cy="1066800"/>
-          </a:xfrm>
-        </p:spPr>
-        <p:txBody>
-          <a:bodyPr>
-            <a:normAutofit/>
-          </a:bodyPr>
-          <a:lstStyle/>
-          <a:p>
-            <a:r>
-              <a:rPr lang="tr-TR" dirty="0" err="1" smtClean="0"/>
-              <a:t>Highest</a:t>
-            </a:r>
-            <a:r>
-              <a:rPr lang="tr-TR" dirty="0" smtClean="0"/>
-              <a:t> </a:t>
-            </a:r>
-            <a:r>
-              <a:rPr lang="tr-TR" dirty="0" err="1" smtClean="0"/>
-              <a:t>Correlated</a:t>
-            </a:r>
-            <a:r>
-              <a:rPr lang="tr-TR" dirty="0" smtClean="0"/>
-              <a:t> </a:t>
-            </a:r>
-            <a:r>
-              <a:rPr lang="tr-TR" dirty="0" err="1" smtClean="0"/>
-              <a:t>Features</a:t>
-            </a:r>
-            <a:r>
-              <a:rPr lang="tr-TR" dirty="0" smtClean="0"/>
-              <a:t> </a:t>
-            </a:r>
-            <a:endParaRPr lang="tr-TR" dirty="0"/>
-          </a:p>
-        </p:txBody>
-      </p:sp>
       <p:pic>
         <p:nvPicPr>
           <p:cNvPr id="5123" name="Picture 3"/>
@@ -5216,6 +6238,13 @@
   <p:clrMapOvr>
     <a:masterClrMapping/>
   </p:clrMapOvr>
+  <p:timing>
+    <p:tnLst>
+      <p:par>
+        <p:cTn id="1" dur="indefinite" restart="never" nodeType="tmRoot"/>
+      </p:par>
+    </p:tnLst>
+  </p:timing>
 </p:sld>
 </file>
 
@@ -5248,12 +6277,14 @@
         </p:nvSpPr>
         <p:spPr>
           <a:xfrm>
-            <a:off x="428596" y="714356"/>
+            <a:off x="428596" y="500042"/>
             <a:ext cx="8229600" cy="1066800"/>
           </a:xfrm>
         </p:spPr>
         <p:txBody>
-          <a:bodyPr/>
+          <a:bodyPr>
+            <a:normAutofit fontScale="90000"/>
+          </a:bodyPr>
           <a:lstStyle/>
           <a:p>
             <a:r>
@@ -5262,7 +6293,19 @@
             </a:r>
             <a:r>
               <a:rPr lang="tr-TR" dirty="0" smtClean="0"/>
-              <a:t> Model</a:t>
+              <a:t> </a:t>
+            </a:r>
+            <a:r>
+              <a:rPr lang="tr-TR" dirty="0" smtClean="0"/>
+              <a:t>Model (</a:t>
+            </a:r>
+            <a:r>
+              <a:rPr lang="tr-TR" dirty="0" err="1" smtClean="0"/>
+              <a:t>statsmodels</a:t>
+            </a:r>
+            <a:r>
+              <a:rPr lang="tr-TR" dirty="0" smtClean="0"/>
+              <a:t>-OLS)</a:t>
             </a:r>
             <a:endParaRPr lang="tr-TR" dirty="0"/>
           </a:p>
@@ -5270,7 +6313,7 @@
       </p:sp>
       <p:pic>
         <p:nvPicPr>
-          <p:cNvPr id="6146" name="Picture 2"/>
+          <p:cNvPr id="2050" name="Picture 2"/>
           <p:cNvPicPr>
             <a:picLocks noGrp="1" noChangeAspect="1" noChangeArrowheads="1"/>
           </p:cNvPicPr>
@@ -5287,8 +6330,8 @@
         </p:blipFill>
         <p:spPr bwMode="auto">
           <a:xfrm>
-            <a:off x="500034" y="2000240"/>
-            <a:ext cx="8229600" cy="2973859"/>
+            <a:off x="571472" y="1857364"/>
+            <a:ext cx="6457950" cy="942975"/>
           </a:xfrm>
           <a:prstGeom prst="rect">
             <a:avLst/>
@@ -5303,9 +6346,55 @@
           <a:effectLst/>
         </p:spPr>
       </p:pic>
+      <p:sp>
+        <p:nvSpPr>
+          <p:cNvPr id="8" name="7 Metin kutusu"/>
+          <p:cNvSpPr txBox="1"/>
+          <p:nvPr/>
+        </p:nvSpPr>
+        <p:spPr>
+          <a:xfrm>
+            <a:off x="571472" y="1500174"/>
+            <a:ext cx="2786082" cy="369332"/>
+          </a:xfrm>
+          <a:prstGeom prst="rect">
+            <a:avLst/>
+          </a:prstGeom>
+          <a:noFill/>
+        </p:spPr>
+        <p:txBody>
+          <a:bodyPr wrap="square" rtlCol="0">
+            <a:spAutoFit/>
+          </a:bodyPr>
+          <a:lstStyle/>
+          <a:p>
+            <a:r>
+              <a:rPr lang="tr-TR" dirty="0" err="1" smtClean="0"/>
+              <a:t>Splitting</a:t>
+            </a:r>
+            <a:r>
+              <a:rPr lang="tr-TR" dirty="0" smtClean="0"/>
+              <a:t>   </a:t>
+            </a:r>
+            <a:r>
+              <a:rPr lang="tr-TR" dirty="0" err="1" smtClean="0"/>
+              <a:t>the</a:t>
+            </a:r>
+            <a:r>
+              <a:rPr lang="tr-TR" dirty="0" smtClean="0"/>
+              <a:t> </a:t>
+            </a:r>
+            <a:r>
+              <a:rPr lang="tr-TR" dirty="0" err="1" smtClean="0"/>
+              <a:t>Dataset</a:t>
+            </a:r>
+            <a:endParaRPr lang="tr-TR" dirty="0"/>
+          </a:p>
+        </p:txBody>
+      </p:sp>
       <p:pic>
         <p:nvPicPr>
-          <p:cNvPr id="6147" name="Picture 3"/>
+          <p:cNvPr id="2051" name="Picture 3"/>
           <p:cNvPicPr>
             <a:picLocks noChangeAspect="1" noChangeArrowheads="1"/>
           </p:cNvPicPr>
@@ -5320,8 +6409,8 @@
         </p:blipFill>
         <p:spPr bwMode="auto">
           <a:xfrm>
-            <a:off x="4000496" y="4000504"/>
-            <a:ext cx="4438650" cy="2476500"/>
+            <a:off x="642910" y="2786058"/>
+            <a:ext cx="5599432" cy="3643338"/>
           </a:xfrm>
           <a:prstGeom prst="rect">
             <a:avLst/>
@@ -5338,14 +6427,68 @@
       </p:pic>
       <p:sp>
         <p:nvSpPr>
-          <p:cNvPr id="6" name="5 Dikdörtgen"/>
+          <p:cNvPr id="10" name="9 Metin kutusu"/>
+          <p:cNvSpPr txBox="1"/>
+          <p:nvPr/>
+        </p:nvSpPr>
+        <p:spPr>
+          <a:xfrm>
+            <a:off x="6000760" y="4143380"/>
+            <a:ext cx="2541080" cy="369332"/>
+          </a:xfrm>
+          <a:prstGeom prst="rect">
+            <a:avLst/>
+          </a:prstGeom>
+          <a:noFill/>
+        </p:spPr>
+        <p:txBody>
+          <a:bodyPr wrap="none" rtlCol="0">
+            <a:spAutoFit/>
+          </a:bodyPr>
+          <a:lstStyle/>
+          <a:p>
+            <a:r>
+              <a:rPr lang="tr-TR" dirty="0" err="1" smtClean="0"/>
+              <a:t>It</a:t>
+            </a:r>
+            <a:r>
+              <a:rPr lang="tr-TR" dirty="0" smtClean="0"/>
+              <a:t> </a:t>
+            </a:r>
+            <a:r>
+              <a:rPr lang="tr-TR" dirty="0" err="1" smtClean="0"/>
+              <a:t>includes</a:t>
+            </a:r>
+            <a:r>
+              <a:rPr lang="tr-TR" dirty="0" smtClean="0"/>
+              <a:t> </a:t>
+            </a:r>
+            <a:r>
+              <a:rPr lang="tr-TR" dirty="0" err="1" smtClean="0"/>
+              <a:t>all</a:t>
+            </a:r>
+            <a:r>
+              <a:rPr lang="tr-TR" dirty="0" smtClean="0"/>
+              <a:t> </a:t>
+            </a:r>
+            <a:r>
+              <a:rPr lang="tr-TR" dirty="0" err="1" smtClean="0"/>
+              <a:t>variables</a:t>
+            </a:r>
+            <a:endParaRPr lang="tr-TR" dirty="0"/>
+          </a:p>
+        </p:txBody>
+      </p:sp>
+      <p:sp>
+        <p:nvSpPr>
+          <p:cNvPr id="11" name="10 Dikdörtgen"/>
           <p:cNvSpPr/>
           <p:nvPr/>
         </p:nvSpPr>
         <p:spPr>
           <a:xfrm>
-            <a:off x="4214810" y="4714884"/>
-            <a:ext cx="4071966" cy="357190"/>
+            <a:off x="4857752" y="4000504"/>
+            <a:ext cx="1000132" cy="357190"/>
           </a:xfrm>
           <a:prstGeom prst="rect">
             <a:avLst/>
@@ -5387,6 +6530,13 @@
   <p:clrMapOvr>
     <a:masterClrMapping/>
   </p:clrMapOvr>
+  <p:timing>
+    <p:tnLst>
+      <p:par>
+        <p:cTn id="1" dur="indefinite" restart="never" nodeType="tmRoot"/>
+      </p:par>
+    </p:tnLst>
+  </p:timing>
 </p:sld>
 </file>
 
@@ -5407,9 +6557,111 @@
           <a:chExt cx="0" cy="0"/>
         </a:xfrm>
       </p:grpSpPr>
+      <p:sp>
+        <p:nvSpPr>
+          <p:cNvPr id="5" name="4 Metin kutusu"/>
+          <p:cNvSpPr txBox="1"/>
+          <p:nvPr/>
+        </p:nvSpPr>
+        <p:spPr>
+          <a:xfrm>
+            <a:off x="5214942" y="2857496"/>
+            <a:ext cx="3571868" cy="923330"/>
+          </a:xfrm>
+          <a:prstGeom prst="rect">
+            <a:avLst/>
+          </a:prstGeom>
+          <a:noFill/>
+        </p:spPr>
+        <p:txBody>
+          <a:bodyPr wrap="square" rtlCol="0">
+            <a:spAutoFit/>
+          </a:bodyPr>
+          <a:lstStyle/>
+          <a:p>
+            <a:r>
+              <a:rPr lang="tr-TR" dirty="0" err="1" smtClean="0"/>
+              <a:t>After</a:t>
+            </a:r>
+            <a:r>
+              <a:rPr lang="tr-TR" dirty="0" smtClean="0"/>
+              <a:t> </a:t>
+            </a:r>
+            <a:r>
+              <a:rPr lang="tr-TR" dirty="0" err="1" smtClean="0"/>
+              <a:t>removing</a:t>
+            </a:r>
+            <a:r>
+              <a:rPr lang="tr-TR" dirty="0" smtClean="0"/>
+              <a:t> </a:t>
+            </a:r>
+            <a:r>
+              <a:rPr lang="tr-TR" dirty="0" err="1" smtClean="0"/>
+              <a:t>all</a:t>
+            </a:r>
+            <a:r>
+              <a:rPr lang="tr-TR" dirty="0" smtClean="0"/>
+              <a:t> </a:t>
+            </a:r>
+            <a:r>
+              <a:rPr lang="tr-TR" dirty="0" err="1" smtClean="0"/>
+              <a:t>features</a:t>
+            </a:r>
+            <a:r>
+              <a:rPr lang="tr-TR" dirty="0" smtClean="0"/>
+              <a:t> </a:t>
+            </a:r>
+            <a:r>
+              <a:rPr lang="tr-TR" dirty="0" err="1" smtClean="0"/>
+              <a:t>that</a:t>
+            </a:r>
+            <a:r>
+              <a:rPr lang="tr-TR" dirty="0" smtClean="0"/>
+              <a:t> </a:t>
+            </a:r>
+            <a:r>
+              <a:rPr lang="tr-TR" dirty="0" err="1" smtClean="0"/>
+              <a:t>have</a:t>
+            </a:r>
+            <a:r>
+              <a:rPr lang="tr-TR" dirty="0" smtClean="0"/>
+              <a:t> P&gt;|t| is </a:t>
+            </a:r>
+            <a:r>
+              <a:rPr lang="tr-TR" dirty="0" err="1" smtClean="0"/>
+              <a:t>less</a:t>
+            </a:r>
+            <a:r>
+              <a:rPr lang="tr-TR" dirty="0" smtClean="0"/>
+              <a:t> </a:t>
+            </a:r>
+            <a:r>
+              <a:rPr lang="tr-TR" dirty="0" err="1" smtClean="0"/>
+              <a:t>then</a:t>
+            </a:r>
+            <a:r>
+              <a:rPr lang="tr-TR" dirty="0" smtClean="0"/>
+              <a:t> </a:t>
+            </a:r>
+            <a:r>
+              <a:rPr lang="tr-TR" dirty="0" smtClean="0"/>
+              <a:t>0.05 step </a:t>
+            </a:r>
+            <a:r>
+              <a:rPr lang="tr-TR" dirty="0" err="1" smtClean="0"/>
+              <a:t>by</a:t>
+            </a:r>
+            <a:r>
+              <a:rPr lang="tr-TR" dirty="0" smtClean="0"/>
+              <a:t> step… </a:t>
+            </a:r>
+            <a:endParaRPr lang="tr-TR" dirty="0"/>
+          </a:p>
+        </p:txBody>
+      </p:sp>
       <p:pic>
         <p:nvPicPr>
-          <p:cNvPr id="7170" name="Picture 2"/>
+          <p:cNvPr id="3074" name="Picture 2"/>
           <p:cNvPicPr>
             <a:picLocks noGrp="1" noChangeAspect="1" noChangeArrowheads="1"/>
           </p:cNvPicPr>
@@ -5426,8 +6678,8 @@
         </p:blipFill>
         <p:spPr bwMode="auto">
           <a:xfrm>
-            <a:off x="642910" y="2071678"/>
-            <a:ext cx="6886575" cy="3486150"/>
+            <a:off x="500034" y="714356"/>
+            <a:ext cx="4822675" cy="3286148"/>
           </a:xfrm>
           <a:prstGeom prst="rect">
             <a:avLst/>
@@ -5444,104 +6696,14 @@
       </p:pic>
       <p:sp>
         <p:nvSpPr>
-          <p:cNvPr id="5" name="4 Metin kutusu"/>
-          <p:cNvSpPr txBox="1"/>
-          <p:nvPr/>
-        </p:nvSpPr>
-        <p:spPr>
-          <a:xfrm>
-            <a:off x="500034" y="1357298"/>
-            <a:ext cx="7143800" cy="369332"/>
-          </a:xfrm>
-          <a:prstGeom prst="rect">
-            <a:avLst/>
-          </a:prstGeom>
-          <a:noFill/>
-        </p:spPr>
-        <p:txBody>
-          <a:bodyPr wrap="square" rtlCol="0">
-            <a:spAutoFit/>
-          </a:bodyPr>
-          <a:lstStyle/>
-          <a:p>
-            <a:r>
-              <a:rPr lang="tr-TR" dirty="0" err="1" smtClean="0"/>
-              <a:t>After</a:t>
-            </a:r>
-            <a:r>
-              <a:rPr lang="tr-TR" dirty="0" smtClean="0"/>
-              <a:t> </a:t>
-            </a:r>
-            <a:r>
-              <a:rPr lang="tr-TR" dirty="0" err="1" smtClean="0"/>
-              <a:t>removing</a:t>
-            </a:r>
-            <a:r>
-              <a:rPr lang="tr-TR" dirty="0" smtClean="0"/>
-              <a:t> </a:t>
-            </a:r>
-            <a:r>
-              <a:rPr lang="tr-TR" dirty="0" err="1" smtClean="0"/>
-              <a:t>all</a:t>
-            </a:r>
-            <a:r>
-              <a:rPr lang="tr-TR" dirty="0" smtClean="0"/>
-              <a:t> </a:t>
-            </a:r>
-            <a:r>
-              <a:rPr lang="tr-TR" dirty="0" err="1" smtClean="0"/>
-              <a:t>features</a:t>
-            </a:r>
-            <a:r>
-              <a:rPr lang="tr-TR" dirty="0" smtClean="0"/>
-              <a:t> </a:t>
-            </a:r>
-            <a:r>
-              <a:rPr lang="tr-TR" dirty="0" err="1" smtClean="0"/>
-              <a:t>that</a:t>
-            </a:r>
-            <a:r>
-              <a:rPr lang="tr-TR" dirty="0" smtClean="0"/>
-              <a:t> </a:t>
-            </a:r>
-            <a:r>
-              <a:rPr lang="tr-TR" dirty="0" err="1" smtClean="0"/>
-              <a:t>have</a:t>
-            </a:r>
-            <a:r>
-              <a:rPr lang="tr-TR" dirty="0" smtClean="0"/>
-              <a:t> P&gt;|t| is </a:t>
-            </a:r>
-            <a:r>
-              <a:rPr lang="tr-TR" dirty="0" err="1" smtClean="0"/>
-              <a:t>less</a:t>
-            </a:r>
-            <a:r>
-              <a:rPr lang="tr-TR" dirty="0" smtClean="0"/>
-              <a:t> </a:t>
-            </a:r>
-            <a:r>
-              <a:rPr lang="tr-TR" dirty="0" err="1" smtClean="0"/>
-              <a:t>then</a:t>
-            </a:r>
-            <a:r>
-              <a:rPr lang="tr-TR" dirty="0" smtClean="0"/>
-              <a:t> 0.05…. </a:t>
-            </a:r>
-            <a:endParaRPr lang="tr-TR" dirty="0"/>
-          </a:p>
-        </p:txBody>
-      </p:sp>
-      <p:sp>
-        <p:nvSpPr>
           <p:cNvPr id="6" name="5 Dikdörtgen"/>
           <p:cNvSpPr/>
           <p:nvPr/>
         </p:nvSpPr>
         <p:spPr>
           <a:xfrm>
-            <a:off x="3214678" y="3214686"/>
-            <a:ext cx="1500198" cy="428628"/>
+            <a:off x="3143240" y="1142984"/>
+            <a:ext cx="571504" cy="2857520"/>
           </a:xfrm>
           <a:prstGeom prst="rect">
             <a:avLst/>
@@ -5578,11 +6740,97 @@
           </a:p>
         </p:txBody>
       </p:sp>
+      <p:pic>
+        <p:nvPicPr>
+          <p:cNvPr id="3075" name="Picture 3"/>
+          <p:cNvPicPr>
+            <a:picLocks noChangeAspect="1" noChangeArrowheads="1"/>
+          </p:cNvPicPr>
+          <p:nvPr/>
+        </p:nvPicPr>
+        <p:blipFill>
+          <a:blip r:embed="rId3"/>
+          <a:srcRect/>
+          <a:stretch>
+            <a:fillRect/>
+          </a:stretch>
+        </p:blipFill>
+        <p:spPr bwMode="auto">
+          <a:xfrm>
+            <a:off x="4000496" y="4000504"/>
+            <a:ext cx="4800600" cy="2533650"/>
+          </a:xfrm>
+          <a:prstGeom prst="rect">
+            <a:avLst/>
+          </a:prstGeom>
+          <a:noFill/>
+          <a:ln w="9525">
+            <a:noFill/>
+            <a:miter lim="800000"/>
+            <a:headEnd/>
+            <a:tailEnd/>
+          </a:ln>
+          <a:effectLst/>
+        </p:spPr>
+      </p:pic>
+      <p:sp>
+        <p:nvSpPr>
+          <p:cNvPr id="7" name="6 Dikdörtgen"/>
+          <p:cNvSpPr/>
+          <p:nvPr/>
+        </p:nvSpPr>
+        <p:spPr>
+          <a:xfrm>
+            <a:off x="7858148" y="4214818"/>
+            <a:ext cx="1000132" cy="357190"/>
+          </a:xfrm>
+          <a:prstGeom prst="rect">
+            <a:avLst/>
+          </a:prstGeom>
+          <a:noFill/>
+          <a:ln w="28575">
+            <a:solidFill>
+              <a:srgbClr val="FF0000"/>
+            </a:solidFill>
+          </a:ln>
+        </p:spPr>
+        <p:style>
+          <a:lnRef idx="2">
+            <a:schemeClr val="accent1">
+              <a:shade val="50000"/>
+            </a:schemeClr>
+          </a:lnRef>
+          <a:fillRef idx="1">
+            <a:schemeClr val="accent1"/>
+          </a:fillRef>
+          <a:effectRef idx="0">
+            <a:schemeClr val="accent1"/>
+          </a:effectRef>
+          <a:fontRef idx="minor">
+            <a:schemeClr val="lt1"/>
+          </a:fontRef>
+        </p:style>
+        <p:txBody>
+          <a:bodyPr rtlCol="0" anchor="ctr"/>
+          <a:lstStyle/>
+          <a:p>
+            <a:pPr algn="ctr"/>
+            <a:endParaRPr lang="tr-TR"/>
+          </a:p>
+        </p:txBody>
+      </p:sp>
     </p:spTree>
   </p:cSld>
   <p:clrMapOvr>
     <a:masterClrMapping/>
   </p:clrMapOvr>
+  <p:timing>
+    <p:tnLst>
+      <p:par>
+        <p:cTn id="1" dur="indefinite" restart="never" nodeType="tmRoot"/>
+      </p:par>
+    </p:tnLst>
+  </p:timing>
 </p:sld>
 </file>
 
@@ -5603,67 +6851,13 @@
           <a:chExt cx="0" cy="0"/>
         </a:xfrm>
       </p:grpSpPr>
-      <p:sp>
-        <p:nvSpPr>
-          <p:cNvPr id="2" name="1 Başlık"/>
-          <p:cNvSpPr>
-            <a:spLocks noGrp="1"/>
-          </p:cNvSpPr>
-          <p:nvPr>
-            <p:ph type="title"/>
-          </p:nvPr>
-        </p:nvSpPr>
-        <p:spPr>
-          <a:xfrm>
-            <a:off x="428596" y="785794"/>
-            <a:ext cx="8229600" cy="1066800"/>
-          </a:xfrm>
-        </p:spPr>
-        <p:txBody>
-          <a:bodyPr/>
-          <a:lstStyle/>
-          <a:p>
-            <a:r>
-              <a:rPr lang="tr-TR" dirty="0" err="1" smtClean="0"/>
-              <a:t>Fitted</a:t>
-            </a:r>
-            <a:r>
-              <a:rPr lang="tr-TR" dirty="0" smtClean="0"/>
-              <a:t> </a:t>
-            </a:r>
-            <a:r>
-              <a:rPr lang="tr-TR" dirty="0" err="1" smtClean="0"/>
-              <a:t>Values</a:t>
-            </a:r>
-            <a:r>
-              <a:rPr lang="tr-TR" dirty="0" smtClean="0"/>
-              <a:t> </a:t>
-            </a:r>
-            <a:r>
-              <a:rPr lang="tr-TR" dirty="0" err="1" smtClean="0"/>
-              <a:t>and</a:t>
-            </a:r>
-            <a:r>
-              <a:rPr lang="tr-TR" dirty="0" smtClean="0"/>
-              <a:t> </a:t>
-            </a:r>
-            <a:r>
-              <a:rPr lang="tr-TR" dirty="0" err="1" smtClean="0"/>
-              <a:t>Residuals</a:t>
-            </a:r>
-            <a:endParaRPr lang="tr-TR" dirty="0"/>
-          </a:p>
-        </p:txBody>
-      </p:sp>
       <p:pic>
         <p:nvPicPr>
-          <p:cNvPr id="8194" name="Picture 2"/>
+          <p:cNvPr id="4099" name="Picture 3"/>
           <p:cNvPicPr>
-            <a:picLocks noGrp="1" noChangeAspect="1" noChangeArrowheads="1"/>
+            <a:picLocks noChangeAspect="1" noChangeArrowheads="1"/>
           </p:cNvPicPr>
-          <p:nvPr>
-            <p:ph idx="1"/>
-          </p:nvPr>
+          <p:nvPr/>
         </p:nvPicPr>
         <p:blipFill>
           <a:blip r:embed="rId2"/>
@@ -5674,8 +6868,8 @@
         </p:blipFill>
         <p:spPr bwMode="auto">
           <a:xfrm>
-            <a:off x="785786" y="2357430"/>
-            <a:ext cx="2200275" cy="3829050"/>
+            <a:off x="4572000" y="714356"/>
+            <a:ext cx="3971925" cy="3228975"/>
           </a:xfrm>
           <a:prstGeom prst="rect">
             <a:avLst/>
@@ -5692,11 +6886,13 @@
       </p:pic>
       <p:pic>
         <p:nvPicPr>
-          <p:cNvPr id="8195" name="Picture 3"/>
+          <p:cNvPr id="4100" name="Picture 4"/>
           <p:cNvPicPr>
-            <a:picLocks noChangeAspect="1" noChangeArrowheads="1"/>
+            <a:picLocks noGrp="1" noChangeAspect="1" noChangeArrowheads="1"/>
           </p:cNvPicPr>
-          <p:nvPr/>
+          <p:nvPr>
+            <p:ph idx="1"/>
+          </p:nvPr>
         </p:nvPicPr>
         <p:blipFill>
           <a:blip r:embed="rId3"/>
@@ -5707,8 +6903,8 @@
         </p:blipFill>
         <p:spPr bwMode="auto">
           <a:xfrm>
-            <a:off x="3357554" y="2428867"/>
-            <a:ext cx="4572032" cy="3802905"/>
+            <a:off x="428596" y="857232"/>
+            <a:ext cx="4132408" cy="4714892"/>
           </a:xfrm>
           <a:prstGeom prst="rect">
             <a:avLst/>
@@ -5723,11 +6919,51 @@
           <a:effectLst/>
         </p:spPr>
       </p:pic>
+      <p:pic>
+        <p:nvPicPr>
+          <p:cNvPr id="4104" name="Picture 8"/>
+          <p:cNvPicPr>
+            <a:picLocks noChangeAspect="1" noChangeArrowheads="1"/>
+          </p:cNvPicPr>
+          <p:nvPr/>
+        </p:nvPicPr>
+        <p:blipFill>
+          <a:blip r:embed="rId4"/>
+          <a:srcRect/>
+          <a:stretch>
+            <a:fillRect/>
+          </a:stretch>
+        </p:blipFill>
+        <p:spPr bwMode="auto">
+          <a:xfrm>
+            <a:off x="4686328" y="3914869"/>
+            <a:ext cx="3743324" cy="2871717"/>
+          </a:xfrm>
+          <a:prstGeom prst="rect">
+            <a:avLst/>
+          </a:prstGeom>
+          <a:noFill/>
+          <a:ln w="9525">
+            <a:noFill/>
+            <a:miter lim="800000"/>
+            <a:headEnd/>
+            <a:tailEnd/>
+          </a:ln>
+          <a:effectLst/>
+        </p:spPr>
+      </p:pic>
     </p:spTree>
   </p:cSld>
   <p:clrMapOvr>
     <a:masterClrMapping/>
   </p:clrMapOvr>
+  <p:timing>
+    <p:tnLst>
+      <p:par>
+        <p:cTn id="1" dur="indefinite" restart="never" nodeType="tmRoot"/>
+      </p:par>
+    </p:tnLst>
+  </p:timing>
 </p:sld>
 </file>
 

--- a/homework2/homework2.pptx
+++ b/homework2/homework2.pptx
@@ -780,7 +780,7 @@
             <a:fld id="{12D01FDB-1510-42A9-9778-A309B35D75AB}" type="datetimeFigureOut">
               <a:rPr lang="tr-TR" smtClean="0"/>
               <a:pPr/>
-              <a:t>05.08.2020</a:t>
+              <a:t>06.08.2020</a:t>
             </a:fld>
             <a:endParaRPr lang="tr-TR"/>
           </a:p>
@@ -965,7 +965,7 @@
             <a:fld id="{12D01FDB-1510-42A9-9778-A309B35D75AB}" type="datetimeFigureOut">
               <a:rPr lang="tr-TR" smtClean="0"/>
               <a:pPr/>
-              <a:t>05.08.2020</a:t>
+              <a:t>06.08.2020</a:t>
             </a:fld>
             <a:endParaRPr lang="tr-TR"/>
           </a:p>
@@ -1142,7 +1142,7 @@
             <a:fld id="{12D01FDB-1510-42A9-9778-A309B35D75AB}" type="datetimeFigureOut">
               <a:rPr lang="tr-TR" smtClean="0"/>
               <a:pPr/>
-              <a:t>05.08.2020</a:t>
+              <a:t>06.08.2020</a:t>
             </a:fld>
             <a:endParaRPr lang="tr-TR"/>
           </a:p>
@@ -1309,7 +1309,7 @@
             <a:fld id="{12D01FDB-1510-42A9-9778-A309B35D75AB}" type="datetimeFigureOut">
               <a:rPr lang="tr-TR" smtClean="0"/>
               <a:pPr/>
-              <a:t>05.08.2020</a:t>
+              <a:t>06.08.2020</a:t>
             </a:fld>
             <a:endParaRPr lang="tr-TR"/>
           </a:p>
@@ -1532,7 +1532,7 @@
             <a:fld id="{12D01FDB-1510-42A9-9778-A309B35D75AB}" type="datetimeFigureOut">
               <a:rPr lang="tr-TR" smtClean="0"/>
               <a:pPr/>
-              <a:t>05.08.2020</a:t>
+              <a:t>06.08.2020</a:t>
             </a:fld>
             <a:endParaRPr lang="tr-TR"/>
           </a:p>
@@ -1793,7 +1793,7 @@
             <a:fld id="{12D01FDB-1510-42A9-9778-A309B35D75AB}" type="datetimeFigureOut">
               <a:rPr lang="tr-TR" smtClean="0"/>
               <a:pPr/>
-              <a:t>05.08.2020</a:t>
+              <a:t>06.08.2020</a:t>
             </a:fld>
             <a:endParaRPr lang="tr-TR"/>
           </a:p>
@@ -2199,7 +2199,7 @@
             <a:fld id="{12D01FDB-1510-42A9-9778-A309B35D75AB}" type="datetimeFigureOut">
               <a:rPr lang="tr-TR" smtClean="0"/>
               <a:pPr/>
-              <a:t>05.08.2020</a:t>
+              <a:t>06.08.2020</a:t>
             </a:fld>
             <a:endParaRPr lang="tr-TR"/>
           </a:p>
@@ -2332,7 +2332,7 @@
             <a:fld id="{12D01FDB-1510-42A9-9778-A309B35D75AB}" type="datetimeFigureOut">
               <a:rPr lang="tr-TR" smtClean="0"/>
               <a:pPr/>
-              <a:t>05.08.2020</a:t>
+              <a:t>06.08.2020</a:t>
             </a:fld>
             <a:endParaRPr lang="tr-TR"/>
           </a:p>
@@ -2434,7 +2434,7 @@
             <a:fld id="{12D01FDB-1510-42A9-9778-A309B35D75AB}" type="datetimeFigureOut">
               <a:rPr lang="tr-TR" smtClean="0"/>
               <a:pPr/>
-              <a:t>05.08.2020</a:t>
+              <a:t>06.08.2020</a:t>
             </a:fld>
             <a:endParaRPr lang="tr-TR"/>
           </a:p>
@@ -2681,7 +2681,7 @@
             <a:fld id="{12D01FDB-1510-42A9-9778-A309B35D75AB}" type="datetimeFigureOut">
               <a:rPr lang="tr-TR" smtClean="0"/>
               <a:pPr/>
-              <a:t>05.08.2020</a:t>
+              <a:t>06.08.2020</a:t>
             </a:fld>
             <a:endParaRPr lang="tr-TR"/>
           </a:p>
@@ -2927,7 +2927,7 @@
             <a:fld id="{12D01FDB-1510-42A9-9778-A309B35D75AB}" type="datetimeFigureOut">
               <a:rPr lang="tr-TR" smtClean="0"/>
               <a:pPr/>
-              <a:t>05.08.2020</a:t>
+              <a:t>06.08.2020</a:t>
             </a:fld>
             <a:endParaRPr lang="tr-TR"/>
           </a:p>
@@ -3753,7 +3753,7 @@
             <a:fld id="{12D01FDB-1510-42A9-9778-A309B35D75AB}" type="datetimeFigureOut">
               <a:rPr lang="tr-TR" smtClean="0"/>
               <a:pPr/>
-              <a:t>05.08.2020</a:t>
+              <a:t>06.08.2020</a:t>
             </a:fld>
             <a:endParaRPr lang="tr-TR"/>
           </a:p>
@@ -4171,11 +4171,7 @@
             </a:r>
             <a:r>
               <a:rPr lang="tr-TR" sz="2800" dirty="0" smtClean="0"/>
-              <a:t> </a:t>
-            </a:r>
-            <a:r>
-              <a:rPr lang="tr-TR" sz="2800" dirty="0" smtClean="0"/>
-              <a:t>2</a:t>
+              <a:t> 2</a:t>
             </a:r>
             <a:endParaRPr lang="tr-TR" sz="2800" dirty="0"/>
           </a:p>
@@ -4269,11 +4265,7 @@
             </a:r>
             <a:r>
               <a:rPr lang="tr-TR" dirty="0" smtClean="0"/>
-              <a:t> Model </a:t>
-            </a:r>
-            <a:r>
-              <a:rPr lang="tr-TR" dirty="0" smtClean="0"/>
-              <a:t>(</a:t>
+              <a:t> Model (</a:t>
             </a:r>
             <a:r>
               <a:rPr lang="tr-TR" dirty="0" err="1" smtClean="0"/>
@@ -4792,11 +4784,7 @@
           <a:p>
             <a:r>
               <a:rPr lang="tr-TR" u="sng" dirty="0" err="1" smtClean="0"/>
-              <a:t>D</a:t>
-            </a:r>
-            <a:r>
-              <a:rPr lang="tr-TR" u="sng" dirty="0" err="1" smtClean="0"/>
-              <a:t>ummy</a:t>
+              <a:t>Dummy</a:t>
             </a:r>
             <a:endParaRPr lang="tr-TR" u="sng" dirty="0"/>
           </a:p>
@@ -4877,7 +4865,7 @@
         <p:spPr>
           <a:xfrm>
             <a:off x="785786" y="4214818"/>
-            <a:ext cx="1428760" cy="369332"/>
+            <a:ext cx="2286016" cy="369332"/>
           </a:xfrm>
           <a:prstGeom prst="rect">
             <a:avLst/>
@@ -4892,7 +4880,15 @@
           <a:p>
             <a:r>
               <a:rPr lang="tr-TR" u="sng" dirty="0" smtClean="0"/>
-              <a:t>Model</a:t>
+              <a:t>Model (</a:t>
+            </a:r>
+            <a:r>
+              <a:rPr lang="tr-TR" u="sng" dirty="0" err="1" smtClean="0"/>
+              <a:t>train</a:t>
+            </a:r>
+            <a:r>
+              <a:rPr lang="tr-TR" u="sng" dirty="0" smtClean="0"/>
+              <a:t>)</a:t>
             </a:r>
             <a:endParaRPr lang="tr-TR" u="sng" dirty="0"/>
           </a:p>
@@ -5220,7 +5216,7 @@
           <a:p>
             <a:r>
               <a:rPr lang="tr-TR" dirty="0" err="1" smtClean="0"/>
-              <a:t>Result</a:t>
+              <a:t>Evaluation</a:t>
             </a:r>
             <a:endParaRPr lang="tr-TR" dirty="0"/>
           </a:p>
@@ -5228,7 +5224,7 @@
       </p:sp>
       <p:pic>
         <p:nvPicPr>
-          <p:cNvPr id="4" name="Picture 2"/>
+          <p:cNvPr id="1027" name="Picture 3"/>
           <p:cNvPicPr>
             <a:picLocks noChangeAspect="1" noChangeArrowheads="1"/>
           </p:cNvPicPr>
@@ -5243,8 +5239,41 @@
         </p:blipFill>
         <p:spPr bwMode="auto">
           <a:xfrm>
-            <a:off x="1643042" y="1857364"/>
-            <a:ext cx="6034877" cy="3929090"/>
+            <a:off x="1785918" y="1928802"/>
+            <a:ext cx="5310225" cy="4357718"/>
+          </a:xfrm>
+          <a:prstGeom prst="rect">
+            <a:avLst/>
+          </a:prstGeom>
+          <a:noFill/>
+          <a:ln w="9525">
+            <a:noFill/>
+            <a:miter lim="800000"/>
+            <a:headEnd/>
+            <a:tailEnd/>
+          </a:ln>
+          <a:effectLst/>
+        </p:spPr>
+      </p:pic>
+      <p:pic>
+        <p:nvPicPr>
+          <p:cNvPr id="1028" name="Picture 4"/>
+          <p:cNvPicPr>
+            <a:picLocks noChangeAspect="1" noChangeArrowheads="1"/>
+          </p:cNvPicPr>
+          <p:nvPr/>
+        </p:nvPicPr>
+        <p:blipFill>
+          <a:blip r:embed="rId3"/>
+          <a:srcRect/>
+          <a:stretch>
+            <a:fillRect/>
+          </a:stretch>
+        </p:blipFill>
+        <p:spPr bwMode="auto">
+          <a:xfrm>
+            <a:off x="1785918" y="1643050"/>
+            <a:ext cx="4000528" cy="311568"/>
           </a:xfrm>
           <a:prstGeom prst="rect">
             <a:avLst/>
@@ -6293,11 +6322,7 @@
             </a:r>
             <a:r>
               <a:rPr lang="tr-TR" dirty="0" smtClean="0"/>
-              <a:t> </a:t>
-            </a:r>
-            <a:r>
-              <a:rPr lang="tr-TR" dirty="0" smtClean="0"/>
-              <a:t>Model (</a:t>
+              <a:t> Model (</a:t>
             </a:r>
             <a:r>
               <a:rPr lang="tr-TR" dirty="0" err="1" smtClean="0"/>
@@ -6641,11 +6666,7 @@
             </a:r>
             <a:r>
               <a:rPr lang="tr-TR" dirty="0" smtClean="0"/>
-              <a:t> </a:t>
-            </a:r>
-            <a:r>
-              <a:rPr lang="tr-TR" dirty="0" smtClean="0"/>
-              <a:t>0.05 step </a:t>
+              <a:t> 0.05 step </a:t>
             </a:r>
             <a:r>
               <a:rPr lang="tr-TR" dirty="0" err="1" smtClean="0"/>
